--- a/procesverslagen/Presentatie/A5.pptx
+++ b/procesverslagen/Presentatie/A5.pptx
@@ -5,19 +5,22 @@
     <p:sldMasterId id="2147483673" r:id="rId1"/>
   </p:sldMasterIdLst>
   <p:notesMasterIdLst>
-    <p:notesMasterId r:id="rId9"/>
+    <p:notesMasterId r:id="rId12"/>
   </p:notesMasterIdLst>
   <p:handoutMasterIdLst>
-    <p:handoutMasterId r:id="rId10"/>
+    <p:handoutMasterId r:id="rId13"/>
   </p:handoutMasterIdLst>
   <p:sldIdLst>
     <p:sldId id="319" r:id="rId2"/>
-    <p:sldId id="321" r:id="rId3"/>
-    <p:sldId id="322" r:id="rId4"/>
-    <p:sldId id="323" r:id="rId5"/>
-    <p:sldId id="324" r:id="rId6"/>
-    <p:sldId id="325" r:id="rId7"/>
-    <p:sldId id="326" r:id="rId8"/>
+    <p:sldId id="327" r:id="rId3"/>
+    <p:sldId id="328" r:id="rId4"/>
+    <p:sldId id="321" r:id="rId5"/>
+    <p:sldId id="322" r:id="rId6"/>
+    <p:sldId id="323" r:id="rId7"/>
+    <p:sldId id="324" r:id="rId8"/>
+    <p:sldId id="325" r:id="rId9"/>
+    <p:sldId id="326" r:id="rId10"/>
+    <p:sldId id="329" r:id="rId11"/>
   </p:sldIdLst>
   <p:sldSz cx="13004800" cy="9753600"/>
   <p:notesSz cx="6794500" cy="9931400"/>
@@ -251,7 +254,7 @@
             <a:fld id="{347D5123-087D-F547-BA90-AAC341263F7F}" type="datetimeFigureOut">
               <a:rPr lang="nl-NL"/>
               <a:pPr/>
-              <a:t>27-11-14</a:t>
+              <a:t>19-1-2015</a:t>
             </a:fld>
             <a:endParaRPr lang="nl-NL"/>
           </a:p>
@@ -328,7 +331,7 @@
             <a:fld id="{D2D6B489-F77B-E44B-BA1A-250156B6FC8C}" type="slidenum">
               <a:rPr lang="nl-NL"/>
               <a:pPr/>
-              <a:t>‹#›</a:t>
+              <a:t>‹nr.›</a:t>
             </a:fld>
             <a:endParaRPr lang="nl-NL"/>
           </a:p>
@@ -337,7 +340,7 @@
     </p:spTree>
     <p:extLst>
       <p:ext uri="{BB962C8B-B14F-4D97-AF65-F5344CB8AC3E}">
-        <p14:creationId xmlns:p14="http://schemas.microsoft.com/office/powerpoint/2010/main" val="2401220708"/>
+        <p14:creationId xmlns:p14="http://schemas.microsoft.com/office/powerpoint/2010/main" xmlns="" val="2401220708"/>
       </p:ext>
     </p:extLst>
   </p:cSld>
@@ -438,7 +441,7 @@
             <a:fld id="{BF439CDE-7B43-744A-B12A-3FE096986F89}" type="datetimeFigureOut">
               <a:rPr lang="nl-NL"/>
               <a:pPr/>
-              <a:t>27-11-14</a:t>
+              <a:t>19-1-2015</a:t>
             </a:fld>
             <a:endParaRPr lang="nl-NL"/>
           </a:p>
@@ -609,7 +612,7 @@
             <a:fld id="{8B944AE0-A2BB-A245-869D-6C23E48BF3F5}" type="slidenum">
               <a:rPr lang="nl-NL"/>
               <a:pPr/>
-              <a:t>‹#›</a:t>
+              <a:t>‹nr.›</a:t>
             </a:fld>
             <a:endParaRPr lang="nl-NL"/>
           </a:p>
@@ -618,7 +621,7 @@
     </p:spTree>
     <p:extLst>
       <p:ext uri="{BB962C8B-B14F-4D97-AF65-F5344CB8AC3E}">
-        <p14:creationId xmlns:p14="http://schemas.microsoft.com/office/powerpoint/2010/main" val="1319321177"/>
+        <p14:creationId xmlns:p14="http://schemas.microsoft.com/office/powerpoint/2010/main" xmlns="" val="1319321177"/>
       </p:ext>
     </p:extLst>
   </p:cSld>
@@ -789,7 +792,7 @@
           </a:ln>
           <a:extLst>
             <a:ext uri="{91240B29-F687-4f45-9708-019B960494DF}">
-              <a14:hiddenLine xmlns:a14="http://schemas.microsoft.com/office/drawing/2010/main" w="9525" algn="ctr">
+              <a14:hiddenLine xmlns:a14="http://schemas.microsoft.com/office/drawing/2010/main" xmlns="" w="9525" algn="ctr">
                 <a:solidFill>
                   <a:srgbClr val="000000"/>
                 </a:solidFill>
@@ -1030,7 +1033,7 @@
     </p:spTree>
     <p:extLst>
       <p:ext uri="{BB962C8B-B14F-4D97-AF65-F5344CB8AC3E}">
-        <p14:creationId xmlns:p14="http://schemas.microsoft.com/office/powerpoint/2010/main" val="776264751"/>
+        <p14:creationId xmlns:p14="http://schemas.microsoft.com/office/powerpoint/2010/main" xmlns="" val="776264751"/>
       </p:ext>
     </p:extLst>
   </p:cSld>
@@ -1151,7 +1154,6 @@
               <a:rPr lang="nl-NL" noProof="0" smtClean="0"/>
               <a:t>Drag picture to placeholder or click icon to add</a:t>
             </a:r>
-            <a:endParaRPr lang="nl-NL" noProof="0" smtClean="0"/>
           </a:p>
         </p:txBody>
       </p:sp>
@@ -1223,7 +1225,7 @@
     </p:spTree>
     <p:extLst>
       <p:ext uri="{BB962C8B-B14F-4D97-AF65-F5344CB8AC3E}">
-        <p14:creationId xmlns:p14="http://schemas.microsoft.com/office/powerpoint/2010/main" val="1694560143"/>
+        <p14:creationId xmlns:p14="http://schemas.microsoft.com/office/powerpoint/2010/main" xmlns="" val="1694560143"/>
       </p:ext>
     </p:extLst>
   </p:cSld>
@@ -1328,7 +1330,7 @@
     </p:spTree>
     <p:extLst>
       <p:ext uri="{BB962C8B-B14F-4D97-AF65-F5344CB8AC3E}">
-        <p14:creationId xmlns:p14="http://schemas.microsoft.com/office/powerpoint/2010/main" val="3828749506"/>
+        <p14:creationId xmlns:p14="http://schemas.microsoft.com/office/powerpoint/2010/main" xmlns="" val="3828749506"/>
       </p:ext>
     </p:extLst>
   </p:cSld>
@@ -1443,7 +1445,7 @@
     </p:spTree>
     <p:extLst>
       <p:ext uri="{BB962C8B-B14F-4D97-AF65-F5344CB8AC3E}">
-        <p14:creationId xmlns:p14="http://schemas.microsoft.com/office/powerpoint/2010/main" val="1484439901"/>
+        <p14:creationId xmlns:p14="http://schemas.microsoft.com/office/powerpoint/2010/main" xmlns="" val="1484439901"/>
       </p:ext>
     </p:extLst>
   </p:cSld>
@@ -1672,7 +1674,7 @@
     </p:spTree>
     <p:extLst>
       <p:ext uri="{BB962C8B-B14F-4D97-AF65-F5344CB8AC3E}">
-        <p14:creationId xmlns:p14="http://schemas.microsoft.com/office/powerpoint/2010/main" val="2766739981"/>
+        <p14:creationId xmlns:p14="http://schemas.microsoft.com/office/powerpoint/2010/main" xmlns="" val="2766739981"/>
       </p:ext>
     </p:extLst>
   </p:cSld>
@@ -1799,7 +1801,7 @@
     </p:spTree>
     <p:extLst>
       <p:ext uri="{BB962C8B-B14F-4D97-AF65-F5344CB8AC3E}">
-        <p14:creationId xmlns:p14="http://schemas.microsoft.com/office/powerpoint/2010/main" val="2805263667"/>
+        <p14:creationId xmlns:p14="http://schemas.microsoft.com/office/powerpoint/2010/main" xmlns="" val="2805263667"/>
       </p:ext>
     </p:extLst>
   </p:cSld>
@@ -1908,7 +1910,7 @@
     </p:spTree>
     <p:extLst>
       <p:ext uri="{BB962C8B-B14F-4D97-AF65-F5344CB8AC3E}">
-        <p14:creationId xmlns:p14="http://schemas.microsoft.com/office/powerpoint/2010/main" val="2148099957"/>
+        <p14:creationId xmlns:p14="http://schemas.microsoft.com/office/powerpoint/2010/main" xmlns="" val="2148099957"/>
       </p:ext>
     </p:extLst>
   </p:cSld>
@@ -2035,7 +2037,7 @@
     </p:spTree>
     <p:extLst>
       <p:ext uri="{BB962C8B-B14F-4D97-AF65-F5344CB8AC3E}">
-        <p14:creationId xmlns:p14="http://schemas.microsoft.com/office/powerpoint/2010/main" val="1672604803"/>
+        <p14:creationId xmlns:p14="http://schemas.microsoft.com/office/powerpoint/2010/main" xmlns="" val="1672604803"/>
       </p:ext>
     </p:extLst>
   </p:cSld>
@@ -2258,7 +2260,7 @@
     </p:spTree>
     <p:extLst>
       <p:ext uri="{BB962C8B-B14F-4D97-AF65-F5344CB8AC3E}">
-        <p14:creationId xmlns:p14="http://schemas.microsoft.com/office/powerpoint/2010/main" val="1237843012"/>
+        <p14:creationId xmlns:p14="http://schemas.microsoft.com/office/powerpoint/2010/main" xmlns="" val="1237843012"/>
       </p:ext>
     </p:extLst>
   </p:cSld>
@@ -2620,7 +2622,7 @@
     </p:spTree>
     <p:extLst>
       <p:ext uri="{BB962C8B-B14F-4D97-AF65-F5344CB8AC3E}">
-        <p14:creationId xmlns:p14="http://schemas.microsoft.com/office/powerpoint/2010/main" val="437046"/>
+        <p14:creationId xmlns:p14="http://schemas.microsoft.com/office/powerpoint/2010/main" xmlns="" val="437046"/>
       </p:ext>
     </p:extLst>
   </p:cSld>
@@ -2673,7 +2675,7 @@
     </p:spTree>
     <p:extLst>
       <p:ext uri="{BB962C8B-B14F-4D97-AF65-F5344CB8AC3E}">
-        <p14:creationId xmlns:p14="http://schemas.microsoft.com/office/powerpoint/2010/main" val="3414296092"/>
+        <p14:creationId xmlns:p14="http://schemas.microsoft.com/office/powerpoint/2010/main" xmlns="" val="3414296092"/>
       </p:ext>
     </p:extLst>
   </p:cSld>
@@ -2703,7 +2705,7 @@
     </p:spTree>
     <p:extLst>
       <p:ext uri="{BB962C8B-B14F-4D97-AF65-F5344CB8AC3E}">
-        <p14:creationId xmlns:p14="http://schemas.microsoft.com/office/powerpoint/2010/main" val="2241992385"/>
+        <p14:creationId xmlns:p14="http://schemas.microsoft.com/office/powerpoint/2010/main" xmlns="" val="2241992385"/>
       </p:ext>
     </p:extLst>
   </p:cSld>
@@ -2915,7 +2917,7 @@
     </p:spTree>
     <p:extLst>
       <p:ext uri="{BB962C8B-B14F-4D97-AF65-F5344CB8AC3E}">
-        <p14:creationId xmlns:p14="http://schemas.microsoft.com/office/powerpoint/2010/main" val="2898605154"/>
+        <p14:creationId xmlns:p14="http://schemas.microsoft.com/office/powerpoint/2010/main" xmlns="" val="2898605154"/>
       </p:ext>
     </p:extLst>
   </p:cSld>
@@ -2974,14 +2976,14 @@
           </a:ln>
           <a:extLst>
             <a:ext uri="{909E8E84-426E-40dd-AFC4-6F175D3DCCD1}">
-              <a14:hiddenFill xmlns:a14="http://schemas.microsoft.com/office/drawing/2010/main">
+              <a14:hiddenFill xmlns:a14="http://schemas.microsoft.com/office/drawing/2010/main" xmlns="">
                 <a:solidFill>
                   <a:srgbClr val="FFFFFF"/>
                 </a:solidFill>
               </a14:hiddenFill>
             </a:ext>
             <a:ext uri="{91240B29-F687-4f45-9708-019B960494DF}">
-              <a14:hiddenLine xmlns:a14="http://schemas.microsoft.com/office/drawing/2010/main" w="9525">
+              <a14:hiddenLine xmlns:a14="http://schemas.microsoft.com/office/drawing/2010/main" xmlns="" w="9525">
                 <a:solidFill>
                   <a:srgbClr val="000000"/>
                 </a:solidFill>
@@ -2991,7 +2993,7 @@
               </a14:hiddenLine>
             </a:ext>
             <a:ext uri="{FAA26D3D-D897-4be2-8F04-BA451C77F1D7}">
-              <ma14:placeholderFlag xmlns:ma14="http://schemas.microsoft.com/office/mac/drawingml/2011/main" val="1"/>
+              <ma14:placeholderFlag xmlns:ma14="http://schemas.microsoft.com/office/mac/drawingml/2011/main" xmlns="" val="1"/>
             </a:ext>
           </a:extLst>
         </p:spPr>
@@ -3035,14 +3037,14 @@
           </a:ln>
           <a:extLst>
             <a:ext uri="{909E8E84-426E-40dd-AFC4-6F175D3DCCD1}">
-              <a14:hiddenFill xmlns:a14="http://schemas.microsoft.com/office/drawing/2010/main">
+              <a14:hiddenFill xmlns:a14="http://schemas.microsoft.com/office/drawing/2010/main" xmlns="">
                 <a:solidFill>
                   <a:srgbClr val="FFFFFF"/>
                 </a:solidFill>
               </a14:hiddenFill>
             </a:ext>
             <a:ext uri="{91240B29-F687-4f45-9708-019B960494DF}">
-              <a14:hiddenLine xmlns:a14="http://schemas.microsoft.com/office/drawing/2010/main" w="9525">
+              <a14:hiddenLine xmlns:a14="http://schemas.microsoft.com/office/drawing/2010/main" xmlns="" w="9525">
                 <a:solidFill>
                   <a:srgbClr val="000000"/>
                 </a:solidFill>
@@ -3052,7 +3054,7 @@
               </a14:hiddenLine>
             </a:ext>
             <a:ext uri="{FAA26D3D-D897-4be2-8F04-BA451C77F1D7}">
-              <ma14:placeholderFlag xmlns:ma14="http://schemas.microsoft.com/office/mac/drawingml/2011/main" val="1"/>
+              <ma14:placeholderFlag xmlns:ma14="http://schemas.microsoft.com/office/mac/drawingml/2011/main" xmlns="" val="1"/>
             </a:ext>
           </a:extLst>
         </p:spPr>
@@ -3110,7 +3112,7 @@
           </a:ln>
           <a:extLst>
             <a:ext uri="{91240B29-F687-4f45-9708-019B960494DF}">
-              <a14:hiddenLine xmlns:a14="http://schemas.microsoft.com/office/drawing/2010/main" w="9525">
+              <a14:hiddenLine xmlns:a14="http://schemas.microsoft.com/office/drawing/2010/main" xmlns="" w="9525">
                 <a:solidFill>
                   <a:srgbClr val="000000"/>
                 </a:solidFill>
@@ -3262,7 +3264,7 @@
           </a:ln>
           <a:extLst>
             <a:ext uri="{91240B29-F687-4f45-9708-019B960494DF}">
-              <a14:hiddenLine xmlns:a14="http://schemas.microsoft.com/office/drawing/2010/main" w="9525">
+              <a14:hiddenLine xmlns:a14="http://schemas.microsoft.com/office/drawing/2010/main" xmlns="" w="9525">
                 <a:solidFill>
                   <a:srgbClr val="000000"/>
                 </a:solidFill>
@@ -3417,7 +3419,7 @@
           </a:ln>
           <a:extLst>
             <a:ext uri="{909E8E84-426E-40dd-AFC4-6F175D3DCCD1}">
-              <a14:hiddenFill xmlns:a14="http://schemas.microsoft.com/office/drawing/2010/main">
+              <a14:hiddenFill xmlns:a14="http://schemas.microsoft.com/office/drawing/2010/main" xmlns="">
                 <a:noFill/>
               </a14:hiddenFill>
             </a:ext>
@@ -3458,7 +3460,7 @@
           </a:ln>
           <a:extLst>
             <a:ext uri="{909E8E84-426E-40dd-AFC4-6F175D3DCCD1}">
-              <a14:hiddenFill xmlns:a14="http://schemas.microsoft.com/office/drawing/2010/main">
+              <a14:hiddenFill xmlns:a14="http://schemas.microsoft.com/office/drawing/2010/main" xmlns="">
                 <a:noFill/>
               </a14:hiddenFill>
             </a:ext>
@@ -3494,14 +3496,14 @@
           </a:ln>
           <a:extLst>
             <a:ext uri="{909E8E84-426E-40dd-AFC4-6F175D3DCCD1}">
-              <a14:hiddenFill xmlns:a14="http://schemas.microsoft.com/office/drawing/2010/main">
+              <a14:hiddenFill xmlns:a14="http://schemas.microsoft.com/office/drawing/2010/main" xmlns="">
                 <a:solidFill>
                   <a:srgbClr val="FFFFFF"/>
                 </a:solidFill>
               </a14:hiddenFill>
             </a:ext>
             <a:ext uri="{91240B29-F687-4f45-9708-019B960494DF}">
-              <a14:hiddenLine xmlns:a14="http://schemas.microsoft.com/office/drawing/2010/main" w="9525">
+              <a14:hiddenLine xmlns:a14="http://schemas.microsoft.com/office/drawing/2010/main" xmlns="" w="9525">
                 <a:solidFill>
                   <a:srgbClr val="000000"/>
                 </a:solidFill>
@@ -3663,7 +3665,7 @@
           </a:ln>
           <a:extLst>
             <a:ext uri="{91240B29-F687-4f45-9708-019B960494DF}">
-              <a14:hiddenLine xmlns:a14="http://schemas.microsoft.com/office/drawing/2010/main" w="9525">
+              <a14:hiddenLine xmlns:a14="http://schemas.microsoft.com/office/drawing/2010/main" xmlns="" w="9525">
                 <a:solidFill>
                   <a:srgbClr val="000000"/>
                 </a:solidFill>
@@ -3800,10 +3802,10 @@
           <p:nvPr/>
         </p:nvPicPr>
         <p:blipFill>
-          <a:blip r:embed="rId15">
+          <a:blip r:embed="rId15" cstate="print">
             <a:extLst>
               <a:ext uri="{28A0092B-C50C-407E-A947-70E740481C1C}">
-                <a14:useLocalDpi xmlns:a14="http://schemas.microsoft.com/office/drawing/2010/main" val="0"/>
+                <a14:useLocalDpi xmlns:a14="http://schemas.microsoft.com/office/drawing/2010/main" xmlns="" val="0"/>
               </a:ext>
             </a:extLst>
           </a:blip>
@@ -3826,14 +3828,14 @@
           </a:ln>
           <a:extLst>
             <a:ext uri="{909E8E84-426E-40dd-AFC4-6F175D3DCCD1}">
-              <a14:hiddenFill xmlns:a14="http://schemas.microsoft.com/office/drawing/2010/main">
+              <a14:hiddenFill xmlns:a14="http://schemas.microsoft.com/office/drawing/2010/main" xmlns="">
                 <a:solidFill>
                   <a:srgbClr val="FFFFFF"/>
                 </a:solidFill>
               </a14:hiddenFill>
             </a:ext>
             <a:ext uri="{91240B29-F687-4f45-9708-019B960494DF}">
-              <a14:hiddenLine xmlns:a14="http://schemas.microsoft.com/office/drawing/2010/main" w="9525">
+              <a14:hiddenLine xmlns:a14="http://schemas.microsoft.com/office/drawing/2010/main" xmlns="" w="9525">
                 <a:solidFill>
                   <a:srgbClr val="000000"/>
                 </a:solidFill>
@@ -3867,14 +3869,14 @@
           </a:ln>
           <a:extLst>
             <a:ext uri="{909E8E84-426E-40dd-AFC4-6F175D3DCCD1}">
-              <a14:hiddenFill xmlns:a14="http://schemas.microsoft.com/office/drawing/2010/main">
+              <a14:hiddenFill xmlns:a14="http://schemas.microsoft.com/office/drawing/2010/main" xmlns="">
                 <a:solidFill>
                   <a:srgbClr val="FFFFFF"/>
                 </a:solidFill>
               </a14:hiddenFill>
             </a:ext>
             <a:ext uri="{91240B29-F687-4f45-9708-019B960494DF}">
-              <a14:hiddenLine xmlns:a14="http://schemas.microsoft.com/office/drawing/2010/main" w="9525">
+              <a14:hiddenLine xmlns:a14="http://schemas.microsoft.com/office/drawing/2010/main" xmlns="" w="9525">
                 <a:solidFill>
                   <a:srgbClr val="000000"/>
                 </a:solidFill>
@@ -3900,7 +3902,7 @@
                 <a:cs typeface="MS PGothic" charset="0"/>
               </a:rPr>
               <a:pPr algn="r"/>
-              <a:t>‹#›</a:t>
+              <a:t>‹nr.›</a:t>
             </a:fld>
             <a:endParaRPr lang="nl-NL" sz="1600">
               <a:solidFill>
@@ -3935,14 +3937,14 @@
           </a:ln>
           <a:extLst>
             <a:ext uri="{909E8E84-426E-40dd-AFC4-6F175D3DCCD1}">
-              <a14:hiddenFill xmlns:a14="http://schemas.microsoft.com/office/drawing/2010/main">
+              <a14:hiddenFill xmlns:a14="http://schemas.microsoft.com/office/drawing/2010/main" xmlns="">
                 <a:solidFill>
                   <a:srgbClr val="FFFFFF"/>
                 </a:solidFill>
               </a14:hiddenFill>
             </a:ext>
             <a:ext uri="{91240B29-F687-4f45-9708-019B960494DF}">
-              <a14:hiddenLine xmlns:a14="http://schemas.microsoft.com/office/drawing/2010/main" w="9525">
+              <a14:hiddenLine xmlns:a14="http://schemas.microsoft.com/office/drawing/2010/main" xmlns="" w="9525">
                 <a:solidFill>
                   <a:srgbClr val="000000"/>
                 </a:solidFill>
@@ -4100,7 +4102,7 @@
   <p:timing>
     <p:tnLst>
       <p:par>
-        <p:cTn xmlns:p14="http://schemas.microsoft.com/office/powerpoint/2010/main" id="1" dur="indefinite" restart="never" nodeType="tmRoot"/>
+        <p:cTn id="1" dur="indefinite" restart="never" nodeType="tmRoot"/>
       </p:par>
     </p:tnLst>
   </p:timing>
@@ -4592,7 +4594,7 @@
           </a:ln>
           <a:extLst>
             <a:ext uri="{91240B29-F687-4f45-9708-019B960494DF}">
-              <a14:hiddenLine xmlns:a14="http://schemas.microsoft.com/office/drawing/2010/main" w="9525">
+              <a14:hiddenLine xmlns:a14="http://schemas.microsoft.com/office/drawing/2010/main" xmlns="" w="9525">
                 <a:solidFill>
                   <a:srgbClr val="000000"/>
                 </a:solidFill>
@@ -4608,7 +4610,7 @@
           <a:lstStyle/>
           <a:p>
             <a:pPr algn="l" eaLnBrk="0" hangingPunct="0"/>
-            <a:endParaRPr lang="nl-NL" sz="3400">
+            <a:endParaRPr lang="nl-NL" sz="3400" dirty="0">
               <a:solidFill>
                 <a:schemeClr val="tx1"/>
               </a:solidFill>
@@ -4723,7 +4725,7 @@
           </a:ln>
           <a:extLst>
             <a:ext uri="{91240B29-F687-4f45-9708-019B960494DF}">
-              <a14:hiddenLine xmlns:a14="http://schemas.microsoft.com/office/drawing/2010/main" w="9525">
+              <a14:hiddenLine xmlns:a14="http://schemas.microsoft.com/office/drawing/2010/main" xmlns="" w="9525">
                 <a:solidFill>
                   <a:srgbClr val="000000"/>
                 </a:solidFill>
@@ -4753,10 +4755,77 @@
   <p:timing>
     <p:tnLst>
       <p:par>
-        <p:cTn xmlns:p14="http://schemas.microsoft.com/office/powerpoint/2010/main" id="1" dur="indefinite" restart="never" nodeType="tmRoot"/>
+        <p:cTn id="1" dur="indefinite" restart="never" nodeType="tmRoot"/>
       </p:par>
     </p:tnLst>
   </p:timing>
+</p:sld>
+</file>
+
+<file path=ppt/slides/slide10.xml><?xml version="1.0" encoding="utf-8"?>
+<p:sld xmlns:a="http://schemas.openxmlformats.org/drawingml/2006/main" xmlns:r="http://schemas.openxmlformats.org/officeDocument/2006/relationships" xmlns:p="http://schemas.openxmlformats.org/presentationml/2006/main">
+  <p:cSld>
+    <p:spTree>
+      <p:nvGrpSpPr>
+        <p:cNvPr id="1" name=""/>
+        <p:cNvGrpSpPr/>
+        <p:nvPr/>
+      </p:nvGrpSpPr>
+      <p:grpSpPr>
+        <a:xfrm>
+          <a:off x="0" y="0"/>
+          <a:ext cx="0" cy="0"/>
+          <a:chOff x="0" y="0"/>
+          <a:chExt cx="0" cy="0"/>
+        </a:xfrm>
+      </p:grpSpPr>
+      <p:sp>
+        <p:nvSpPr>
+          <p:cNvPr id="2" name="Titel 1"/>
+          <p:cNvSpPr>
+            <a:spLocks noGrp="1"/>
+          </p:cNvSpPr>
+          <p:nvPr>
+            <p:ph type="title"/>
+          </p:nvPr>
+        </p:nvSpPr>
+        <p:spPr/>
+        <p:txBody>
+          <a:bodyPr/>
+          <a:lstStyle/>
+          <a:p>
+            <a:r>
+              <a:rPr lang="nl-NL" dirty="0" smtClean="0"/>
+              <a:t>Conclusie</a:t>
+            </a:r>
+            <a:endParaRPr lang="nl-NL" dirty="0"/>
+          </a:p>
+        </p:txBody>
+      </p:sp>
+      <p:sp>
+        <p:nvSpPr>
+          <p:cNvPr id="3" name="Tijdelijke aanduiding voor inhoud 2"/>
+          <p:cNvSpPr>
+            <a:spLocks noGrp="1"/>
+          </p:cNvSpPr>
+          <p:nvPr>
+            <p:ph idx="1"/>
+          </p:nvPr>
+        </p:nvSpPr>
+        <p:spPr/>
+        <p:txBody>
+          <a:bodyPr/>
+          <a:lstStyle/>
+          <a:p>
+            <a:endParaRPr lang="nl-NL"/>
+          </a:p>
+        </p:txBody>
+      </p:sp>
+    </p:spTree>
+  </p:cSld>
+  <p:clrMapOvr>
+    <a:masterClrMapping/>
+  </p:clrMapOvr>
 </p:sld>
 </file>
 
@@ -4779,7 +4848,7 @@
       </p:grpSpPr>
       <p:sp>
         <p:nvSpPr>
-          <p:cNvPr id="2" name="Title 1"/>
+          <p:cNvPr id="2" name="Titel 1"/>
           <p:cNvSpPr>
             <a:spLocks noGrp="1"/>
           </p:cNvSpPr>
@@ -4787,22 +4856,27 @@
             <p:ph type="title"/>
           </p:nvPr>
         </p:nvSpPr>
-        <p:spPr/>
+        <p:spPr>
+          <a:xfrm>
+            <a:off x="1317824" y="628329"/>
+            <a:ext cx="10182225" cy="792088"/>
+          </a:xfrm>
+        </p:spPr>
         <p:txBody>
           <a:bodyPr/>
           <a:lstStyle/>
           <a:p>
             <a:r>
-              <a:rPr lang="en-US" dirty="0" err="1" smtClean="0"/>
-              <a:t>Overzicht</a:t>
-            </a:r>
-            <a:endParaRPr lang="en-US" dirty="0"/>
-          </a:p>
-        </p:txBody>
-      </p:sp>
-      <p:sp>
-        <p:nvSpPr>
-          <p:cNvPr id="3" name="Content Placeholder 2"/>
+              <a:rPr lang="nl-NL" dirty="0" smtClean="0"/>
+              <a:t>Inhoud</a:t>
+            </a:r>
+            <a:endParaRPr lang="nl-NL" dirty="0"/>
+          </a:p>
+        </p:txBody>
+      </p:sp>
+      <p:sp>
+        <p:nvSpPr>
+          <p:cNvPr id="3" name="Tijdelijke aanduiding voor inhoud 2"/>
           <p:cNvSpPr>
             <a:spLocks noGrp="1"/>
           </p:cNvSpPr>
@@ -4810,73 +4884,97 @@
             <p:ph idx="1"/>
           </p:nvPr>
         </p:nvSpPr>
-        <p:spPr/>
+        <p:spPr>
+          <a:xfrm>
+            <a:off x="1317824" y="1492424"/>
+            <a:ext cx="10153650" cy="6336704"/>
+          </a:xfrm>
+        </p:spPr>
         <p:txBody>
           <a:bodyPr/>
           <a:lstStyle/>
           <a:p>
             <a:r>
-              <a:rPr lang="en-US" dirty="0" err="1" smtClean="0"/>
-              <a:t>Spelcomputer</a:t>
-            </a:r>
-            <a:endParaRPr lang="en-US" dirty="0" smtClean="0"/>
-          </a:p>
-          <a:p>
-            <a:endParaRPr lang="en-US" dirty="0" smtClean="0"/>
-          </a:p>
-          <a:p>
-            <a:r>
-              <a:rPr lang="en-US" dirty="0" err="1" smtClean="0"/>
-              <a:t>Besturing</a:t>
-            </a:r>
-            <a:endParaRPr lang="en-US" dirty="0" smtClean="0"/>
-          </a:p>
-          <a:p>
-            <a:r>
-              <a:rPr lang="en-US" dirty="0" smtClean="0"/>
-              <a:t>Processor</a:t>
-            </a:r>
-          </a:p>
-          <a:p>
-            <a:r>
-              <a:rPr lang="en-US" dirty="0" smtClean="0"/>
-              <a:t>SD-</a:t>
-            </a:r>
-            <a:r>
-              <a:rPr lang="en-US" dirty="0" err="1" smtClean="0"/>
-              <a:t>kaart</a:t>
-            </a:r>
-            <a:endParaRPr lang="en-US" dirty="0" smtClean="0"/>
-          </a:p>
-          <a:p>
-            <a:r>
-              <a:rPr lang="en-US" dirty="0" smtClean="0"/>
-              <a:t>SRAM</a:t>
-            </a:r>
-          </a:p>
-          <a:p>
-            <a:r>
-              <a:rPr lang="en-US" dirty="0" smtClean="0"/>
+              <a:rPr lang="nl-NL" sz="2400" dirty="0" smtClean="0"/>
+              <a:t>Probleemstelling</a:t>
+            </a:r>
+          </a:p>
+          <a:p>
+            <a:r>
+              <a:rPr lang="nl-NL" sz="2400" dirty="0" smtClean="0"/>
+              <a:t>Systeemoverzicht</a:t>
+            </a:r>
+          </a:p>
+          <a:p>
+            <a:endParaRPr lang="nl-NL" sz="2400" dirty="0" smtClean="0"/>
+          </a:p>
+          <a:p>
+            <a:r>
+              <a:rPr lang="nl-NL" sz="2400" dirty="0" smtClean="0"/>
+              <a:t>CPU</a:t>
+            </a:r>
+          </a:p>
+          <a:p>
+            <a:r>
+              <a:rPr lang="nl-NL" sz="2400" dirty="0" smtClean="0"/>
+              <a:t>SD kaart</a:t>
+            </a:r>
+          </a:p>
+          <a:p>
+            <a:r>
+              <a:rPr lang="nl-NL" sz="2400" dirty="0" smtClean="0"/>
+              <a:t>GPU</a:t>
+            </a:r>
+          </a:p>
+          <a:p>
+            <a:r>
+              <a:rPr lang="nl-NL" sz="2400" dirty="0" smtClean="0"/>
               <a:t>VGA</a:t>
             </a:r>
           </a:p>
           <a:p>
-            <a:endParaRPr lang="en-US" dirty="0" smtClean="0"/>
-          </a:p>
-          <a:p>
-            <a:endParaRPr lang="en-US" dirty="0" smtClean="0"/>
-          </a:p>
-          <a:p>
-            <a:endParaRPr lang="en-US" dirty="0"/>
+            <a:r>
+              <a:rPr lang="nl-NL" sz="2400" dirty="0" err="1" smtClean="0"/>
+              <a:t>Blackbox</a:t>
+            </a:r>
+            <a:endParaRPr lang="nl-NL" sz="2400" dirty="0" smtClean="0"/>
+          </a:p>
+          <a:p>
+            <a:r>
+              <a:rPr lang="nl-NL" sz="2400" dirty="0" smtClean="0"/>
+              <a:t>Besturing &amp; SPI</a:t>
+            </a:r>
+          </a:p>
+          <a:p>
+            <a:endParaRPr lang="nl-NL" sz="2400" dirty="0" smtClean="0"/>
+          </a:p>
+          <a:p>
+            <a:r>
+              <a:rPr lang="nl-NL" sz="2400" dirty="0" smtClean="0"/>
+              <a:t>Eindresultaat</a:t>
+            </a:r>
+          </a:p>
+          <a:p>
+            <a:r>
+              <a:rPr lang="nl-NL" sz="2400" dirty="0" err="1" smtClean="0"/>
+              <a:t>Assembly</a:t>
+            </a:r>
+            <a:endParaRPr lang="nl-NL" sz="2400" dirty="0" smtClean="0"/>
+          </a:p>
+          <a:p>
+            <a:r>
+              <a:rPr lang="nl-NL" sz="2400" dirty="0" err="1" smtClean="0"/>
+              <a:t>Conlusie</a:t>
+            </a:r>
+            <a:r>
+              <a:rPr lang="nl-NL" sz="2400" dirty="0" smtClean="0"/>
+              <a:t> &amp; Discussie</a:t>
+            </a:r>
+            <a:endParaRPr lang="nl-NL" sz="2400" dirty="0" smtClean="0"/>
           </a:p>
         </p:txBody>
       </p:sp>
     </p:spTree>
-    <p:extLst>
-      <p:ext uri="{BB962C8B-B14F-4D97-AF65-F5344CB8AC3E}">
-        <p14:creationId xmlns:p14="http://schemas.microsoft.com/office/powerpoint/2010/main" val="1119502918"/>
-      </p:ext>
-    </p:extLst>
   </p:cSld>
   <p:clrMapOvr>
     <a:masterClrMapping/>
@@ -4903,7 +5001,7 @@
       </p:grpSpPr>
       <p:sp>
         <p:nvSpPr>
-          <p:cNvPr id="2" name="Title 1"/>
+          <p:cNvPr id="2" name="Titel 1"/>
           <p:cNvSpPr>
             <a:spLocks noGrp="1"/>
           </p:cNvSpPr>
@@ -4917,16 +5015,16 @@
           <a:lstStyle/>
           <a:p>
             <a:r>
-              <a:rPr lang="en-US" dirty="0" err="1" smtClean="0"/>
-              <a:t>Besturing</a:t>
-            </a:r>
-            <a:endParaRPr lang="en-US" dirty="0"/>
-          </a:p>
-        </p:txBody>
-      </p:sp>
-      <p:sp>
-        <p:nvSpPr>
-          <p:cNvPr id="3" name="Content Placeholder 2"/>
+              <a:rPr lang="nl-NL" dirty="0" smtClean="0"/>
+              <a:t>Probleemstelling</a:t>
+            </a:r>
+            <a:endParaRPr lang="nl-NL" dirty="0"/>
+          </a:p>
+        </p:txBody>
+      </p:sp>
+      <p:sp>
+        <p:nvSpPr>
+          <p:cNvPr id="3" name="Tijdelijke aanduiding voor inhoud 2"/>
           <p:cNvSpPr>
             <a:spLocks noGrp="1"/>
           </p:cNvSpPr>
@@ -4940,43 +5038,97 @@
           <a:lstStyle/>
           <a:p>
             <a:r>
-              <a:rPr lang="en-US" dirty="0" err="1" smtClean="0"/>
-              <a:t>Ultrasone</a:t>
-            </a:r>
-            <a:endParaRPr lang="en-US" dirty="0" smtClean="0"/>
-          </a:p>
-          <a:p>
-            <a:r>
-              <a:rPr lang="en-US" dirty="0" smtClean="0"/>
-              <a:t>Buttons</a:t>
-            </a:r>
-          </a:p>
-          <a:p>
-            <a:r>
-              <a:rPr lang="en-US" dirty="0" smtClean="0"/>
-              <a:t>Processing </a:t>
-            </a:r>
-            <a:r>
-              <a:rPr lang="en-US" dirty="0" err="1" smtClean="0"/>
-              <a:t>Arduino</a:t>
-            </a:r>
-            <a:endParaRPr lang="en-US" dirty="0" smtClean="0"/>
-          </a:p>
-          <a:p>
-            <a:r>
-              <a:rPr lang="en-US" dirty="0" smtClean="0"/>
-              <a:t>2x 4-bits Position</a:t>
-            </a:r>
-            <a:endParaRPr lang="en-US" dirty="0"/>
+              <a:rPr lang="nl-NL" dirty="0" smtClean="0"/>
+              <a:t>‘Ontwerp een chip’</a:t>
+            </a:r>
+          </a:p>
+          <a:p>
+            <a:pPr lvl="1"/>
+            <a:r>
+              <a:rPr lang="nl-NL" dirty="0" smtClean="0"/>
+              <a:t>Halve chip per groep (200-250 flipflops</a:t>
+            </a:r>
+            <a:r>
+              <a:rPr lang="nl-NL" dirty="0" smtClean="0"/>
+              <a:t>)</a:t>
+            </a:r>
+          </a:p>
+          <a:p>
+            <a:pPr lvl="1"/>
+            <a:r>
+              <a:rPr lang="nl-NL" dirty="0" smtClean="0"/>
+              <a:t>32 </a:t>
+            </a:r>
+            <a:r>
+              <a:rPr lang="nl-NL" dirty="0" smtClean="0"/>
+              <a:t>aansluitpinnen</a:t>
+            </a:r>
+          </a:p>
+          <a:p>
+            <a:pPr lvl="1"/>
+            <a:r>
+              <a:rPr lang="nl-NL" dirty="0" smtClean="0"/>
+              <a:t>Altera FPGA </a:t>
+            </a:r>
+            <a:r>
+              <a:rPr lang="nl-NL" dirty="0" smtClean="0"/>
+              <a:t>bord</a:t>
+            </a:r>
+          </a:p>
+          <a:p>
+            <a:r>
+              <a:rPr lang="nl-NL" dirty="0" smtClean="0"/>
+              <a:t>Eisen spelcomputer</a:t>
+            </a:r>
+          </a:p>
+          <a:p>
+            <a:pPr lvl="1"/>
+            <a:r>
+              <a:rPr lang="nl-NL" dirty="0" smtClean="0"/>
+              <a:t>Ultrasone besturing (Druk knoppen) </a:t>
+            </a:r>
+          </a:p>
+          <a:p>
+            <a:pPr lvl="1"/>
+            <a:r>
+              <a:rPr lang="nl-NL" dirty="0" smtClean="0"/>
+              <a:t>Externe opslag spellen</a:t>
+            </a:r>
+          </a:p>
+          <a:p>
+            <a:pPr lvl="1"/>
+            <a:r>
+              <a:rPr lang="nl-NL" dirty="0" smtClean="0"/>
+              <a:t>Beeldscherm met VGA</a:t>
+            </a:r>
+          </a:p>
+          <a:p>
+            <a:r>
+              <a:rPr lang="nl-NL" dirty="0" smtClean="0"/>
+              <a:t>Spellen:</a:t>
+            </a:r>
+          </a:p>
+          <a:p>
+            <a:pPr lvl="1"/>
+            <a:r>
+              <a:rPr lang="nl-NL" dirty="0" smtClean="0"/>
+              <a:t>‘</a:t>
+            </a:r>
+            <a:r>
+              <a:rPr lang="nl-NL" dirty="0" err="1" smtClean="0"/>
+              <a:t>Pong</a:t>
+            </a:r>
+            <a:r>
+              <a:rPr lang="nl-NL" dirty="0" smtClean="0"/>
+              <a:t>’</a:t>
+            </a:r>
+          </a:p>
+          <a:p>
+            <a:endParaRPr lang="nl-NL" dirty="0"/>
           </a:p>
         </p:txBody>
       </p:sp>
     </p:spTree>
-    <p:extLst>
-      <p:ext uri="{BB962C8B-B14F-4D97-AF65-F5344CB8AC3E}">
-        <p14:creationId xmlns:p14="http://schemas.microsoft.com/office/powerpoint/2010/main" val="2105157772"/>
-      </p:ext>
-    </p:extLst>
   </p:cSld>
   <p:clrMapOvr>
     <a:masterClrMapping/>
@@ -5017,8 +5169,8 @@
           <a:lstStyle/>
           <a:p>
             <a:r>
-              <a:rPr lang="en-US" dirty="0" smtClean="0"/>
-              <a:t>Processor</a:t>
+              <a:rPr lang="en-US" dirty="0" err="1" smtClean="0"/>
+              <a:t>Systeemoverzicht</a:t>
             </a:r>
             <a:endParaRPr lang="en-US" dirty="0"/>
           </a:p>
@@ -5039,37 +5191,100 @@
           <a:bodyPr/>
           <a:lstStyle/>
           <a:p>
-            <a:pPr marL="0" indent="0">
+            <a:r>
+              <a:rPr lang="en-US" dirty="0" err="1" smtClean="0"/>
+              <a:t>Spelcomputer</a:t>
+            </a:r>
+            <a:endParaRPr lang="en-US" dirty="0" smtClean="0"/>
+          </a:p>
+          <a:p>
+            <a:endParaRPr lang="en-US" dirty="0" smtClean="0"/>
+          </a:p>
+          <a:p>
+            <a:r>
+              <a:rPr lang="en-US" dirty="0" smtClean="0"/>
+              <a:t>Processor</a:t>
+            </a:r>
+            <a:endParaRPr lang="en-US" dirty="0" smtClean="0"/>
+          </a:p>
+          <a:p>
+            <a:r>
+              <a:rPr lang="en-US" dirty="0" smtClean="0"/>
+              <a:t>SD-</a:t>
+            </a:r>
+            <a:r>
+              <a:rPr lang="en-US" dirty="0" err="1" smtClean="0"/>
+              <a:t>kaart</a:t>
+            </a:r>
+            <a:endParaRPr lang="en-US" dirty="0" smtClean="0"/>
+          </a:p>
+          <a:p>
+            <a:r>
+              <a:rPr lang="en-US" dirty="0" smtClean="0"/>
+              <a:t>GPU</a:t>
+            </a:r>
+          </a:p>
+          <a:p>
+            <a:r>
+              <a:rPr lang="en-US" dirty="0" smtClean="0"/>
+              <a:t>VGA</a:t>
+            </a:r>
+            <a:endParaRPr lang="en-US" dirty="0" smtClean="0"/>
+          </a:p>
+          <a:p>
+            <a:r>
+              <a:rPr lang="en-US" dirty="0" err="1" smtClean="0"/>
+              <a:t>Blackbox</a:t>
+            </a:r>
+            <a:endParaRPr lang="en-US" dirty="0" smtClean="0"/>
+          </a:p>
+          <a:p>
+            <a:pPr lvl="1"/>
+            <a:r>
+              <a:rPr lang="en-US" dirty="0" smtClean="0"/>
+              <a:t>SRAM</a:t>
+            </a:r>
+            <a:endParaRPr lang="en-US" dirty="0" smtClean="0"/>
+          </a:p>
+          <a:p>
+            <a:r>
+              <a:rPr lang="en-US" dirty="0" err="1" smtClean="0"/>
+              <a:t>Besturing</a:t>
+            </a:r>
+            <a:endParaRPr lang="en-US" dirty="0" smtClean="0"/>
+          </a:p>
+          <a:p>
+            <a:pPr>
               <a:buNone/>
             </a:pPr>
+            <a:endParaRPr lang="en-US" dirty="0" smtClean="0"/>
+          </a:p>
+          <a:p>
+            <a:endParaRPr lang="en-US" dirty="0" smtClean="0"/>
+          </a:p>
+          <a:p>
             <a:endParaRPr lang="en-US" dirty="0"/>
           </a:p>
         </p:txBody>
       </p:sp>
       <p:pic>
         <p:nvPicPr>
-          <p:cNvPr id="4" name="Picture 3" descr="general entitiy.bmp"/>
+          <p:cNvPr id="4" name="Afbeelding 3" descr="hele-systeem.png"/>
           <p:cNvPicPr>
             <a:picLocks noChangeAspect="1"/>
           </p:cNvPicPr>
           <p:nvPr/>
         </p:nvPicPr>
         <p:blipFill>
-          <a:blip r:embed="rId2">
-            <a:extLst>
-              <a:ext uri="{28A0092B-C50C-407E-A947-70E740481C1C}">
-                <a14:useLocalDpi xmlns:a14="http://schemas.microsoft.com/office/drawing/2010/main" val="0"/>
-              </a:ext>
-            </a:extLst>
-          </a:blip>
+          <a:blip r:embed="rId2" cstate="print"/>
           <a:stretch>
             <a:fillRect/>
           </a:stretch>
         </p:blipFill>
         <p:spPr>
           <a:xfrm>
-            <a:off x="1677864" y="1636440"/>
-            <a:ext cx="5867400" cy="6337300"/>
+            <a:off x="5350272" y="1780456"/>
+            <a:ext cx="5296359" cy="4115157"/>
           </a:xfrm>
           <a:prstGeom prst="rect">
             <a:avLst/>
@@ -5079,7 +5294,7 @@
     </p:spTree>
     <p:extLst>
       <p:ext uri="{BB962C8B-B14F-4D97-AF65-F5344CB8AC3E}">
-        <p14:creationId xmlns:p14="http://schemas.microsoft.com/office/powerpoint/2010/main" val="2155680525"/>
+        <p14:creationId xmlns:p14="http://schemas.microsoft.com/office/powerpoint/2010/main" xmlns="" val="1119502918"/>
       </p:ext>
     </p:extLst>
   </p:cSld>
@@ -5122,12 +5337,8 @@
           <a:lstStyle/>
           <a:p>
             <a:r>
-              <a:rPr lang="en-US" dirty="0" smtClean="0"/>
-              <a:t>SD-</a:t>
-            </a:r>
-            <a:r>
               <a:rPr lang="en-US" dirty="0" err="1" smtClean="0"/>
-              <a:t>kaart</a:t>
+              <a:t>Besturing</a:t>
             </a:r>
             <a:endParaRPr lang="en-US" dirty="0"/>
           </a:p>
@@ -5149,25 +5360,33 @@
           <a:lstStyle/>
           <a:p>
             <a:r>
+              <a:rPr lang="en-US" dirty="0" err="1" smtClean="0"/>
+              <a:t>Ultrasone</a:t>
+            </a:r>
+            <a:endParaRPr lang="en-US" dirty="0" smtClean="0"/>
+          </a:p>
+          <a:p>
+            <a:r>
               <a:rPr lang="en-US" dirty="0" smtClean="0"/>
-              <a:t>SPI</a:t>
+              <a:t>Buttons</a:t>
             </a:r>
           </a:p>
           <a:p>
             <a:r>
               <a:rPr lang="en-US" dirty="0" smtClean="0"/>
-              <a:t>Assembly van het </a:t>
+              <a:t>Processing </a:t>
             </a:r>
             <a:r>
               <a:rPr lang="en-US" dirty="0" err="1" smtClean="0"/>
-              <a:t>spel</a:t>
+              <a:t>Arduino</a:t>
             </a:r>
             <a:endParaRPr lang="en-US" dirty="0" smtClean="0"/>
           </a:p>
           <a:p>
-            <a:endParaRPr lang="en-US" dirty="0" smtClean="0"/>
-          </a:p>
-          <a:p>
+            <a:r>
+              <a:rPr lang="en-US" dirty="0" smtClean="0"/>
+              <a:t>2x 4-bits Position</a:t>
+            </a:r>
             <a:endParaRPr lang="en-US" dirty="0"/>
           </a:p>
         </p:txBody>
@@ -5175,7 +5394,7 @@
     </p:spTree>
     <p:extLst>
       <p:ext uri="{BB962C8B-B14F-4D97-AF65-F5344CB8AC3E}">
-        <p14:creationId xmlns:p14="http://schemas.microsoft.com/office/powerpoint/2010/main" val="2452125258"/>
+        <p14:creationId xmlns:p14="http://schemas.microsoft.com/office/powerpoint/2010/main" xmlns="" val="2105157772"/>
       </p:ext>
     </p:extLst>
   </p:cSld>
@@ -5219,7 +5438,7 @@
           <a:p>
             <a:r>
               <a:rPr lang="en-US" dirty="0" smtClean="0"/>
-              <a:t>SRAM</a:t>
+              <a:t>Processor</a:t>
             </a:r>
             <a:endParaRPr lang="en-US" dirty="0"/>
           </a:p>
@@ -5240,48 +5459,26 @@
           <a:bodyPr/>
           <a:lstStyle/>
           <a:p>
-            <a:r>
-              <a:rPr lang="en-US" dirty="0" smtClean="0"/>
-              <a:t>SPI</a:t>
-            </a:r>
-          </a:p>
-          <a:p>
-            <a:r>
-              <a:rPr lang="en-US" dirty="0" err="1" smtClean="0"/>
-              <a:t>Blackbox</a:t>
-            </a:r>
-            <a:endParaRPr lang="en-US" dirty="0" smtClean="0"/>
-          </a:p>
-          <a:p>
-            <a:r>
-              <a:rPr lang="en-US" dirty="0" smtClean="0"/>
-              <a:t>Switch op 60Hz</a:t>
-            </a:r>
-          </a:p>
-          <a:p>
-            <a:r>
-              <a:rPr lang="en-US" dirty="0" smtClean="0"/>
-              <a:t>Read box/write box</a:t>
-            </a:r>
-          </a:p>
-          <a:p>
+            <a:pPr marL="0" indent="0">
+              <a:buNone/>
+            </a:pPr>
             <a:endParaRPr lang="en-US" dirty="0"/>
           </a:p>
         </p:txBody>
       </p:sp>
       <p:pic>
         <p:nvPicPr>
-          <p:cNvPr id="4" name="Picture 3" descr="Schermafbeelding 2014-11-27 om 11.35.00.png"/>
+          <p:cNvPr id="4" name="Picture 3" descr="general entitiy.bmp"/>
           <p:cNvPicPr>
             <a:picLocks noChangeAspect="1"/>
           </p:cNvPicPr>
           <p:nvPr/>
         </p:nvPicPr>
         <p:blipFill>
-          <a:blip r:embed="rId2">
+          <a:blip r:embed="rId2" cstate="print">
             <a:extLst>
               <a:ext uri="{28A0092B-C50C-407E-A947-70E740481C1C}">
-                <a14:useLocalDpi xmlns:a14="http://schemas.microsoft.com/office/drawing/2010/main" val="0"/>
+                <a14:useLocalDpi xmlns:a14="http://schemas.microsoft.com/office/drawing/2010/main" xmlns="" val="0"/>
               </a:ext>
             </a:extLst>
           </a:blip>
@@ -5291,8 +5488,8 @@
         </p:blipFill>
         <p:spPr>
           <a:xfrm>
-            <a:off x="5926336" y="2500536"/>
-            <a:ext cx="5067300" cy="4013200"/>
+            <a:off x="1677864" y="1636440"/>
+            <a:ext cx="5867400" cy="6337300"/>
           </a:xfrm>
           <a:prstGeom prst="rect">
             <a:avLst/>
@@ -5302,7 +5499,7 @@
     </p:spTree>
     <p:extLst>
       <p:ext uri="{BB962C8B-B14F-4D97-AF65-F5344CB8AC3E}">
-        <p14:creationId xmlns:p14="http://schemas.microsoft.com/office/powerpoint/2010/main" val="3512308647"/>
+        <p14:creationId xmlns:p14="http://schemas.microsoft.com/office/powerpoint/2010/main" xmlns="" val="2155680525"/>
       </p:ext>
     </p:extLst>
   </p:cSld>
@@ -5346,7 +5543,11 @@
           <a:p>
             <a:r>
               <a:rPr lang="en-US" dirty="0" smtClean="0"/>
-              <a:t>VGA</a:t>
+              <a:t>SD-</a:t>
+            </a:r>
+            <a:r>
+              <a:rPr lang="en-US" dirty="0" err="1" smtClean="0"/>
+              <a:t>kaart</a:t>
             </a:r>
             <a:endParaRPr lang="en-US" dirty="0"/>
           </a:p>
@@ -5369,16 +5570,22 @@
           <a:p>
             <a:r>
               <a:rPr lang="en-US" dirty="0" smtClean="0"/>
-              <a:t>Bitmap </a:t>
+              <a:t>SPI</a:t>
+            </a:r>
+          </a:p>
+          <a:p>
+            <a:r>
+              <a:rPr lang="en-US" dirty="0" smtClean="0"/>
+              <a:t>Assembly van het </a:t>
             </a:r>
             <a:r>
               <a:rPr lang="en-US" dirty="0" err="1" smtClean="0"/>
-              <a:t>uit</a:t>
-            </a:r>
-            <a:r>
-              <a:rPr lang="en-US" dirty="0" smtClean="0"/>
-              <a:t> SRAM</a:t>
-            </a:r>
+              <a:t>spel</a:t>
+            </a:r>
+            <a:endParaRPr lang="en-US" dirty="0" smtClean="0"/>
+          </a:p>
+          <a:p>
+            <a:endParaRPr lang="en-US" dirty="0" smtClean="0"/>
           </a:p>
           <a:p>
             <a:endParaRPr lang="en-US" dirty="0"/>
@@ -5388,7 +5595,220 @@
     </p:spTree>
     <p:extLst>
       <p:ext uri="{BB962C8B-B14F-4D97-AF65-F5344CB8AC3E}">
-        <p14:creationId xmlns:p14="http://schemas.microsoft.com/office/powerpoint/2010/main" val="4275572195"/>
+        <p14:creationId xmlns:p14="http://schemas.microsoft.com/office/powerpoint/2010/main" xmlns="" val="2452125258"/>
+      </p:ext>
+    </p:extLst>
+  </p:cSld>
+  <p:clrMapOvr>
+    <a:masterClrMapping/>
+  </p:clrMapOvr>
+</p:sld>
+</file>
+
+<file path=ppt/slides/slide8.xml><?xml version="1.0" encoding="utf-8"?>
+<p:sld xmlns:a="http://schemas.openxmlformats.org/drawingml/2006/main" xmlns:r="http://schemas.openxmlformats.org/officeDocument/2006/relationships" xmlns:p="http://schemas.openxmlformats.org/presentationml/2006/main">
+  <p:cSld>
+    <p:spTree>
+      <p:nvGrpSpPr>
+        <p:cNvPr id="1" name=""/>
+        <p:cNvGrpSpPr/>
+        <p:nvPr/>
+      </p:nvGrpSpPr>
+      <p:grpSpPr>
+        <a:xfrm>
+          <a:off x="0" y="0"/>
+          <a:ext cx="0" cy="0"/>
+          <a:chOff x="0" y="0"/>
+          <a:chExt cx="0" cy="0"/>
+        </a:xfrm>
+      </p:grpSpPr>
+      <p:sp>
+        <p:nvSpPr>
+          <p:cNvPr id="2" name="Title 1"/>
+          <p:cNvSpPr>
+            <a:spLocks noGrp="1"/>
+          </p:cNvSpPr>
+          <p:nvPr>
+            <p:ph type="title"/>
+          </p:nvPr>
+        </p:nvSpPr>
+        <p:spPr/>
+        <p:txBody>
+          <a:bodyPr/>
+          <a:lstStyle/>
+          <a:p>
+            <a:r>
+              <a:rPr lang="en-US" dirty="0" smtClean="0"/>
+              <a:t>SRAM</a:t>
+            </a:r>
+            <a:endParaRPr lang="en-US" dirty="0"/>
+          </a:p>
+        </p:txBody>
+      </p:sp>
+      <p:sp>
+        <p:nvSpPr>
+          <p:cNvPr id="3" name="Content Placeholder 2"/>
+          <p:cNvSpPr>
+            <a:spLocks noGrp="1"/>
+          </p:cNvSpPr>
+          <p:nvPr>
+            <p:ph idx="1"/>
+          </p:nvPr>
+        </p:nvSpPr>
+        <p:spPr/>
+        <p:txBody>
+          <a:bodyPr/>
+          <a:lstStyle/>
+          <a:p>
+            <a:r>
+              <a:rPr lang="en-US" dirty="0" smtClean="0"/>
+              <a:t>SPI</a:t>
+            </a:r>
+          </a:p>
+          <a:p>
+            <a:r>
+              <a:rPr lang="en-US" dirty="0" err="1" smtClean="0"/>
+              <a:t>Blackbox</a:t>
+            </a:r>
+            <a:endParaRPr lang="en-US" dirty="0" smtClean="0"/>
+          </a:p>
+          <a:p>
+            <a:r>
+              <a:rPr lang="en-US" dirty="0" smtClean="0"/>
+              <a:t>Switch op 60Hz</a:t>
+            </a:r>
+          </a:p>
+          <a:p>
+            <a:r>
+              <a:rPr lang="en-US" dirty="0" smtClean="0"/>
+              <a:t>Read box/write box</a:t>
+            </a:r>
+          </a:p>
+          <a:p>
+            <a:endParaRPr lang="en-US" dirty="0"/>
+          </a:p>
+        </p:txBody>
+      </p:sp>
+      <p:pic>
+        <p:nvPicPr>
+          <p:cNvPr id="4" name="Picture 3" descr="Schermafbeelding 2014-11-27 om 11.35.00.png"/>
+          <p:cNvPicPr>
+            <a:picLocks noChangeAspect="1"/>
+          </p:cNvPicPr>
+          <p:nvPr/>
+        </p:nvPicPr>
+        <p:blipFill>
+          <a:blip r:embed="rId2" cstate="print">
+            <a:extLst>
+              <a:ext uri="{28A0092B-C50C-407E-A947-70E740481C1C}">
+                <a14:useLocalDpi xmlns:a14="http://schemas.microsoft.com/office/drawing/2010/main" xmlns="" val="0"/>
+              </a:ext>
+            </a:extLst>
+          </a:blip>
+          <a:stretch>
+            <a:fillRect/>
+          </a:stretch>
+        </p:blipFill>
+        <p:spPr>
+          <a:xfrm>
+            <a:off x="5926336" y="2500536"/>
+            <a:ext cx="5067300" cy="4013200"/>
+          </a:xfrm>
+          <a:prstGeom prst="rect">
+            <a:avLst/>
+          </a:prstGeom>
+        </p:spPr>
+      </p:pic>
+    </p:spTree>
+    <p:extLst>
+      <p:ext uri="{BB962C8B-B14F-4D97-AF65-F5344CB8AC3E}">
+        <p14:creationId xmlns:p14="http://schemas.microsoft.com/office/powerpoint/2010/main" xmlns="" val="3512308647"/>
+      </p:ext>
+    </p:extLst>
+  </p:cSld>
+  <p:clrMapOvr>
+    <a:masterClrMapping/>
+  </p:clrMapOvr>
+</p:sld>
+</file>
+
+<file path=ppt/slides/slide9.xml><?xml version="1.0" encoding="utf-8"?>
+<p:sld xmlns:a="http://schemas.openxmlformats.org/drawingml/2006/main" xmlns:r="http://schemas.openxmlformats.org/officeDocument/2006/relationships" xmlns:p="http://schemas.openxmlformats.org/presentationml/2006/main">
+  <p:cSld>
+    <p:spTree>
+      <p:nvGrpSpPr>
+        <p:cNvPr id="1" name=""/>
+        <p:cNvGrpSpPr/>
+        <p:nvPr/>
+      </p:nvGrpSpPr>
+      <p:grpSpPr>
+        <a:xfrm>
+          <a:off x="0" y="0"/>
+          <a:ext cx="0" cy="0"/>
+          <a:chOff x="0" y="0"/>
+          <a:chExt cx="0" cy="0"/>
+        </a:xfrm>
+      </p:grpSpPr>
+      <p:sp>
+        <p:nvSpPr>
+          <p:cNvPr id="2" name="Title 1"/>
+          <p:cNvSpPr>
+            <a:spLocks noGrp="1"/>
+          </p:cNvSpPr>
+          <p:nvPr>
+            <p:ph type="title"/>
+          </p:nvPr>
+        </p:nvSpPr>
+        <p:spPr/>
+        <p:txBody>
+          <a:bodyPr/>
+          <a:lstStyle/>
+          <a:p>
+            <a:r>
+              <a:rPr lang="en-US" dirty="0" smtClean="0"/>
+              <a:t>VGA</a:t>
+            </a:r>
+            <a:endParaRPr lang="en-US" dirty="0"/>
+          </a:p>
+        </p:txBody>
+      </p:sp>
+      <p:sp>
+        <p:nvSpPr>
+          <p:cNvPr id="3" name="Content Placeholder 2"/>
+          <p:cNvSpPr>
+            <a:spLocks noGrp="1"/>
+          </p:cNvSpPr>
+          <p:nvPr>
+            <p:ph idx="1"/>
+          </p:nvPr>
+        </p:nvSpPr>
+        <p:spPr/>
+        <p:txBody>
+          <a:bodyPr/>
+          <a:lstStyle/>
+          <a:p>
+            <a:r>
+              <a:rPr lang="en-US" dirty="0" smtClean="0"/>
+              <a:t>Bitmap </a:t>
+            </a:r>
+            <a:r>
+              <a:rPr lang="en-US" dirty="0" err="1" smtClean="0"/>
+              <a:t>uit</a:t>
+            </a:r>
+            <a:r>
+              <a:rPr lang="en-US" dirty="0" smtClean="0"/>
+              <a:t> SRAM</a:t>
+            </a:r>
+          </a:p>
+          <a:p>
+            <a:endParaRPr lang="en-US" dirty="0"/>
+          </a:p>
+        </p:txBody>
+      </p:sp>
+    </p:spTree>
+    <p:extLst>
+      <p:ext uri="{BB962C8B-B14F-4D97-AF65-F5344CB8AC3E}">
+        <p14:creationId xmlns:p14="http://schemas.microsoft.com/office/powerpoint/2010/main" xmlns="" val="4275572195"/>
       </p:ext>
     </p:extLst>
   </p:cSld>

--- a/procesverslagen/Presentatie/A5.pptx
+++ b/procesverslagen/Presentatie/A5.pptx
@@ -5,10 +5,10 @@
     <p:sldMasterId id="2147483673" r:id="rId1"/>
   </p:sldMasterIdLst>
   <p:notesMasterIdLst>
-    <p:notesMasterId r:id="rId12"/>
+    <p:notesMasterId r:id="rId13"/>
   </p:notesMasterIdLst>
   <p:handoutMasterIdLst>
-    <p:handoutMasterId r:id="rId13"/>
+    <p:handoutMasterId r:id="rId14"/>
   </p:handoutMasterIdLst>
   <p:sldIdLst>
     <p:sldId id="319" r:id="rId2"/>
@@ -21,6 +21,7 @@
     <p:sldId id="325" r:id="rId9"/>
     <p:sldId id="326" r:id="rId10"/>
     <p:sldId id="329" r:id="rId11"/>
+    <p:sldId id="330" r:id="rId12"/>
   </p:sldIdLst>
   <p:sldSz cx="13004800" cy="9753600"/>
   <p:notesSz cx="6794500" cy="9931400"/>
@@ -340,7 +341,7 @@
     </p:spTree>
     <p:extLst>
       <p:ext uri="{BB962C8B-B14F-4D97-AF65-F5344CB8AC3E}">
-        <p14:creationId xmlns:p14="http://schemas.microsoft.com/office/powerpoint/2010/main" xmlns="" val="2401220708"/>
+        <p14:creationId xmlns="" xmlns:p14="http://schemas.microsoft.com/office/powerpoint/2010/main" val="2401220708"/>
       </p:ext>
     </p:extLst>
   </p:cSld>
@@ -621,7 +622,7 @@
     </p:spTree>
     <p:extLst>
       <p:ext uri="{BB962C8B-B14F-4D97-AF65-F5344CB8AC3E}">
-        <p14:creationId xmlns:p14="http://schemas.microsoft.com/office/powerpoint/2010/main" xmlns="" val="1319321177"/>
+        <p14:creationId xmlns="" xmlns:p14="http://schemas.microsoft.com/office/powerpoint/2010/main" val="1319321177"/>
       </p:ext>
     </p:extLst>
   </p:cSld>
@@ -792,7 +793,7 @@
           </a:ln>
           <a:extLst>
             <a:ext uri="{91240B29-F687-4f45-9708-019B960494DF}">
-              <a14:hiddenLine xmlns:a14="http://schemas.microsoft.com/office/drawing/2010/main" xmlns="" w="9525" algn="ctr">
+              <a14:hiddenLine xmlns="" xmlns:a14="http://schemas.microsoft.com/office/drawing/2010/main" w="9525" algn="ctr">
                 <a:solidFill>
                   <a:srgbClr val="000000"/>
                 </a:solidFill>
@@ -1033,7 +1034,7 @@
     </p:spTree>
     <p:extLst>
       <p:ext uri="{BB962C8B-B14F-4D97-AF65-F5344CB8AC3E}">
-        <p14:creationId xmlns:p14="http://schemas.microsoft.com/office/powerpoint/2010/main" xmlns="" val="776264751"/>
+        <p14:creationId xmlns="" xmlns:p14="http://schemas.microsoft.com/office/powerpoint/2010/main" val="776264751"/>
       </p:ext>
     </p:extLst>
   </p:cSld>
@@ -1225,7 +1226,7 @@
     </p:spTree>
     <p:extLst>
       <p:ext uri="{BB962C8B-B14F-4D97-AF65-F5344CB8AC3E}">
-        <p14:creationId xmlns:p14="http://schemas.microsoft.com/office/powerpoint/2010/main" xmlns="" val="1694560143"/>
+        <p14:creationId xmlns="" xmlns:p14="http://schemas.microsoft.com/office/powerpoint/2010/main" val="1694560143"/>
       </p:ext>
     </p:extLst>
   </p:cSld>
@@ -1330,7 +1331,7 @@
     </p:spTree>
     <p:extLst>
       <p:ext uri="{BB962C8B-B14F-4D97-AF65-F5344CB8AC3E}">
-        <p14:creationId xmlns:p14="http://schemas.microsoft.com/office/powerpoint/2010/main" xmlns="" val="3828749506"/>
+        <p14:creationId xmlns="" xmlns:p14="http://schemas.microsoft.com/office/powerpoint/2010/main" val="3828749506"/>
       </p:ext>
     </p:extLst>
   </p:cSld>
@@ -1445,7 +1446,7 @@
     </p:spTree>
     <p:extLst>
       <p:ext uri="{BB962C8B-B14F-4D97-AF65-F5344CB8AC3E}">
-        <p14:creationId xmlns:p14="http://schemas.microsoft.com/office/powerpoint/2010/main" xmlns="" val="1484439901"/>
+        <p14:creationId xmlns="" xmlns:p14="http://schemas.microsoft.com/office/powerpoint/2010/main" val="1484439901"/>
       </p:ext>
     </p:extLst>
   </p:cSld>
@@ -1674,7 +1675,7 @@
     </p:spTree>
     <p:extLst>
       <p:ext uri="{BB962C8B-B14F-4D97-AF65-F5344CB8AC3E}">
-        <p14:creationId xmlns:p14="http://schemas.microsoft.com/office/powerpoint/2010/main" xmlns="" val="2766739981"/>
+        <p14:creationId xmlns="" xmlns:p14="http://schemas.microsoft.com/office/powerpoint/2010/main" val="2766739981"/>
       </p:ext>
     </p:extLst>
   </p:cSld>
@@ -1801,7 +1802,7 @@
     </p:spTree>
     <p:extLst>
       <p:ext uri="{BB962C8B-B14F-4D97-AF65-F5344CB8AC3E}">
-        <p14:creationId xmlns:p14="http://schemas.microsoft.com/office/powerpoint/2010/main" xmlns="" val="2805263667"/>
+        <p14:creationId xmlns="" xmlns:p14="http://schemas.microsoft.com/office/powerpoint/2010/main" val="2805263667"/>
       </p:ext>
     </p:extLst>
   </p:cSld>
@@ -1910,7 +1911,7 @@
     </p:spTree>
     <p:extLst>
       <p:ext uri="{BB962C8B-B14F-4D97-AF65-F5344CB8AC3E}">
-        <p14:creationId xmlns:p14="http://schemas.microsoft.com/office/powerpoint/2010/main" xmlns="" val="2148099957"/>
+        <p14:creationId xmlns="" xmlns:p14="http://schemas.microsoft.com/office/powerpoint/2010/main" val="2148099957"/>
       </p:ext>
     </p:extLst>
   </p:cSld>
@@ -2037,7 +2038,7 @@
     </p:spTree>
     <p:extLst>
       <p:ext uri="{BB962C8B-B14F-4D97-AF65-F5344CB8AC3E}">
-        <p14:creationId xmlns:p14="http://schemas.microsoft.com/office/powerpoint/2010/main" xmlns="" val="1672604803"/>
+        <p14:creationId xmlns="" xmlns:p14="http://schemas.microsoft.com/office/powerpoint/2010/main" val="1672604803"/>
       </p:ext>
     </p:extLst>
   </p:cSld>
@@ -2260,7 +2261,7 @@
     </p:spTree>
     <p:extLst>
       <p:ext uri="{BB962C8B-B14F-4D97-AF65-F5344CB8AC3E}">
-        <p14:creationId xmlns:p14="http://schemas.microsoft.com/office/powerpoint/2010/main" xmlns="" val="1237843012"/>
+        <p14:creationId xmlns="" xmlns:p14="http://schemas.microsoft.com/office/powerpoint/2010/main" val="1237843012"/>
       </p:ext>
     </p:extLst>
   </p:cSld>
@@ -2622,7 +2623,7 @@
     </p:spTree>
     <p:extLst>
       <p:ext uri="{BB962C8B-B14F-4D97-AF65-F5344CB8AC3E}">
-        <p14:creationId xmlns:p14="http://schemas.microsoft.com/office/powerpoint/2010/main" xmlns="" val="437046"/>
+        <p14:creationId xmlns="" xmlns:p14="http://schemas.microsoft.com/office/powerpoint/2010/main" val="437046"/>
       </p:ext>
     </p:extLst>
   </p:cSld>
@@ -2675,7 +2676,7 @@
     </p:spTree>
     <p:extLst>
       <p:ext uri="{BB962C8B-B14F-4D97-AF65-F5344CB8AC3E}">
-        <p14:creationId xmlns:p14="http://schemas.microsoft.com/office/powerpoint/2010/main" xmlns="" val="3414296092"/>
+        <p14:creationId xmlns="" xmlns:p14="http://schemas.microsoft.com/office/powerpoint/2010/main" val="3414296092"/>
       </p:ext>
     </p:extLst>
   </p:cSld>
@@ -2705,7 +2706,7 @@
     </p:spTree>
     <p:extLst>
       <p:ext uri="{BB962C8B-B14F-4D97-AF65-F5344CB8AC3E}">
-        <p14:creationId xmlns:p14="http://schemas.microsoft.com/office/powerpoint/2010/main" xmlns="" val="2241992385"/>
+        <p14:creationId xmlns="" xmlns:p14="http://schemas.microsoft.com/office/powerpoint/2010/main" val="2241992385"/>
       </p:ext>
     </p:extLst>
   </p:cSld>
@@ -2917,7 +2918,7 @@
     </p:spTree>
     <p:extLst>
       <p:ext uri="{BB962C8B-B14F-4D97-AF65-F5344CB8AC3E}">
-        <p14:creationId xmlns:p14="http://schemas.microsoft.com/office/powerpoint/2010/main" xmlns="" val="2898605154"/>
+        <p14:creationId xmlns="" xmlns:p14="http://schemas.microsoft.com/office/powerpoint/2010/main" val="2898605154"/>
       </p:ext>
     </p:extLst>
   </p:cSld>
@@ -2976,14 +2977,14 @@
           </a:ln>
           <a:extLst>
             <a:ext uri="{909E8E84-426E-40dd-AFC4-6F175D3DCCD1}">
-              <a14:hiddenFill xmlns:a14="http://schemas.microsoft.com/office/drawing/2010/main" xmlns="">
+              <a14:hiddenFill xmlns="" xmlns:a14="http://schemas.microsoft.com/office/drawing/2010/main">
                 <a:solidFill>
                   <a:srgbClr val="FFFFFF"/>
                 </a:solidFill>
               </a14:hiddenFill>
             </a:ext>
             <a:ext uri="{91240B29-F687-4f45-9708-019B960494DF}">
-              <a14:hiddenLine xmlns:a14="http://schemas.microsoft.com/office/drawing/2010/main" xmlns="" w="9525">
+              <a14:hiddenLine xmlns="" xmlns:a14="http://schemas.microsoft.com/office/drawing/2010/main" w="9525">
                 <a:solidFill>
                   <a:srgbClr val="000000"/>
                 </a:solidFill>
@@ -2993,7 +2994,7 @@
               </a14:hiddenLine>
             </a:ext>
             <a:ext uri="{FAA26D3D-D897-4be2-8F04-BA451C77F1D7}">
-              <ma14:placeholderFlag xmlns:ma14="http://schemas.microsoft.com/office/mac/drawingml/2011/main" xmlns="" val="1"/>
+              <ma14:placeholderFlag xmlns="" xmlns:ma14="http://schemas.microsoft.com/office/mac/drawingml/2011/main" val="1"/>
             </a:ext>
           </a:extLst>
         </p:spPr>
@@ -3037,14 +3038,14 @@
           </a:ln>
           <a:extLst>
             <a:ext uri="{909E8E84-426E-40dd-AFC4-6F175D3DCCD1}">
-              <a14:hiddenFill xmlns:a14="http://schemas.microsoft.com/office/drawing/2010/main" xmlns="">
+              <a14:hiddenFill xmlns="" xmlns:a14="http://schemas.microsoft.com/office/drawing/2010/main">
                 <a:solidFill>
                   <a:srgbClr val="FFFFFF"/>
                 </a:solidFill>
               </a14:hiddenFill>
             </a:ext>
             <a:ext uri="{91240B29-F687-4f45-9708-019B960494DF}">
-              <a14:hiddenLine xmlns:a14="http://schemas.microsoft.com/office/drawing/2010/main" xmlns="" w="9525">
+              <a14:hiddenLine xmlns="" xmlns:a14="http://schemas.microsoft.com/office/drawing/2010/main" w="9525">
                 <a:solidFill>
                   <a:srgbClr val="000000"/>
                 </a:solidFill>
@@ -3054,7 +3055,7 @@
               </a14:hiddenLine>
             </a:ext>
             <a:ext uri="{FAA26D3D-D897-4be2-8F04-BA451C77F1D7}">
-              <ma14:placeholderFlag xmlns:ma14="http://schemas.microsoft.com/office/mac/drawingml/2011/main" xmlns="" val="1"/>
+              <ma14:placeholderFlag xmlns="" xmlns:ma14="http://schemas.microsoft.com/office/mac/drawingml/2011/main" val="1"/>
             </a:ext>
           </a:extLst>
         </p:spPr>
@@ -3112,7 +3113,7 @@
           </a:ln>
           <a:extLst>
             <a:ext uri="{91240B29-F687-4f45-9708-019B960494DF}">
-              <a14:hiddenLine xmlns:a14="http://schemas.microsoft.com/office/drawing/2010/main" xmlns="" w="9525">
+              <a14:hiddenLine xmlns="" xmlns:a14="http://schemas.microsoft.com/office/drawing/2010/main" w="9525">
                 <a:solidFill>
                   <a:srgbClr val="000000"/>
                 </a:solidFill>
@@ -3264,7 +3265,7 @@
           </a:ln>
           <a:extLst>
             <a:ext uri="{91240B29-F687-4f45-9708-019B960494DF}">
-              <a14:hiddenLine xmlns:a14="http://schemas.microsoft.com/office/drawing/2010/main" xmlns="" w="9525">
+              <a14:hiddenLine xmlns="" xmlns:a14="http://schemas.microsoft.com/office/drawing/2010/main" w="9525">
                 <a:solidFill>
                   <a:srgbClr val="000000"/>
                 </a:solidFill>
@@ -3419,7 +3420,7 @@
           </a:ln>
           <a:extLst>
             <a:ext uri="{909E8E84-426E-40dd-AFC4-6F175D3DCCD1}">
-              <a14:hiddenFill xmlns:a14="http://schemas.microsoft.com/office/drawing/2010/main" xmlns="">
+              <a14:hiddenFill xmlns="" xmlns:a14="http://schemas.microsoft.com/office/drawing/2010/main">
                 <a:noFill/>
               </a14:hiddenFill>
             </a:ext>
@@ -3460,7 +3461,7 @@
           </a:ln>
           <a:extLst>
             <a:ext uri="{909E8E84-426E-40dd-AFC4-6F175D3DCCD1}">
-              <a14:hiddenFill xmlns:a14="http://schemas.microsoft.com/office/drawing/2010/main" xmlns="">
+              <a14:hiddenFill xmlns="" xmlns:a14="http://schemas.microsoft.com/office/drawing/2010/main">
                 <a:noFill/>
               </a14:hiddenFill>
             </a:ext>
@@ -3496,14 +3497,14 @@
           </a:ln>
           <a:extLst>
             <a:ext uri="{909E8E84-426E-40dd-AFC4-6F175D3DCCD1}">
-              <a14:hiddenFill xmlns:a14="http://schemas.microsoft.com/office/drawing/2010/main" xmlns="">
+              <a14:hiddenFill xmlns="" xmlns:a14="http://schemas.microsoft.com/office/drawing/2010/main">
                 <a:solidFill>
                   <a:srgbClr val="FFFFFF"/>
                 </a:solidFill>
               </a14:hiddenFill>
             </a:ext>
             <a:ext uri="{91240B29-F687-4f45-9708-019B960494DF}">
-              <a14:hiddenLine xmlns:a14="http://schemas.microsoft.com/office/drawing/2010/main" xmlns="" w="9525">
+              <a14:hiddenLine xmlns="" xmlns:a14="http://schemas.microsoft.com/office/drawing/2010/main" w="9525">
                 <a:solidFill>
                   <a:srgbClr val="000000"/>
                 </a:solidFill>
@@ -3665,7 +3666,7 @@
           </a:ln>
           <a:extLst>
             <a:ext uri="{91240B29-F687-4f45-9708-019B960494DF}">
-              <a14:hiddenLine xmlns:a14="http://schemas.microsoft.com/office/drawing/2010/main" xmlns="" w="9525">
+              <a14:hiddenLine xmlns="" xmlns:a14="http://schemas.microsoft.com/office/drawing/2010/main" w="9525">
                 <a:solidFill>
                   <a:srgbClr val="000000"/>
                 </a:solidFill>
@@ -3805,7 +3806,7 @@
           <a:blip r:embed="rId15" cstate="print">
             <a:extLst>
               <a:ext uri="{28A0092B-C50C-407E-A947-70E740481C1C}">
-                <a14:useLocalDpi xmlns:a14="http://schemas.microsoft.com/office/drawing/2010/main" xmlns="" val="0"/>
+                <a14:useLocalDpi xmlns="" xmlns:a14="http://schemas.microsoft.com/office/drawing/2010/main" val="0"/>
               </a:ext>
             </a:extLst>
           </a:blip>
@@ -3828,14 +3829,14 @@
           </a:ln>
           <a:extLst>
             <a:ext uri="{909E8E84-426E-40dd-AFC4-6F175D3DCCD1}">
-              <a14:hiddenFill xmlns:a14="http://schemas.microsoft.com/office/drawing/2010/main" xmlns="">
+              <a14:hiddenFill xmlns="" xmlns:a14="http://schemas.microsoft.com/office/drawing/2010/main">
                 <a:solidFill>
                   <a:srgbClr val="FFFFFF"/>
                 </a:solidFill>
               </a14:hiddenFill>
             </a:ext>
             <a:ext uri="{91240B29-F687-4f45-9708-019B960494DF}">
-              <a14:hiddenLine xmlns:a14="http://schemas.microsoft.com/office/drawing/2010/main" xmlns="" w="9525">
+              <a14:hiddenLine xmlns="" xmlns:a14="http://schemas.microsoft.com/office/drawing/2010/main" w="9525">
                 <a:solidFill>
                   <a:srgbClr val="000000"/>
                 </a:solidFill>
@@ -3869,14 +3870,14 @@
           </a:ln>
           <a:extLst>
             <a:ext uri="{909E8E84-426E-40dd-AFC4-6F175D3DCCD1}">
-              <a14:hiddenFill xmlns:a14="http://schemas.microsoft.com/office/drawing/2010/main" xmlns="">
+              <a14:hiddenFill xmlns="" xmlns:a14="http://schemas.microsoft.com/office/drawing/2010/main">
                 <a:solidFill>
                   <a:srgbClr val="FFFFFF"/>
                 </a:solidFill>
               </a14:hiddenFill>
             </a:ext>
             <a:ext uri="{91240B29-F687-4f45-9708-019B960494DF}">
-              <a14:hiddenLine xmlns:a14="http://schemas.microsoft.com/office/drawing/2010/main" xmlns="" w="9525">
+              <a14:hiddenLine xmlns="" xmlns:a14="http://schemas.microsoft.com/office/drawing/2010/main" w="9525">
                 <a:solidFill>
                   <a:srgbClr val="000000"/>
                 </a:solidFill>
@@ -3937,14 +3938,14 @@
           </a:ln>
           <a:extLst>
             <a:ext uri="{909E8E84-426E-40dd-AFC4-6F175D3DCCD1}">
-              <a14:hiddenFill xmlns:a14="http://schemas.microsoft.com/office/drawing/2010/main" xmlns="">
+              <a14:hiddenFill xmlns="" xmlns:a14="http://schemas.microsoft.com/office/drawing/2010/main">
                 <a:solidFill>
                   <a:srgbClr val="FFFFFF"/>
                 </a:solidFill>
               </a14:hiddenFill>
             </a:ext>
             <a:ext uri="{91240B29-F687-4f45-9708-019B960494DF}">
-              <a14:hiddenLine xmlns:a14="http://schemas.microsoft.com/office/drawing/2010/main" xmlns="" w="9525">
+              <a14:hiddenLine xmlns="" xmlns:a14="http://schemas.microsoft.com/office/drawing/2010/main" w="9525">
                 <a:solidFill>
                   <a:srgbClr val="000000"/>
                 </a:solidFill>
@@ -4594,7 +4595,7 @@
           </a:ln>
           <a:extLst>
             <a:ext uri="{91240B29-F687-4f45-9708-019B960494DF}">
-              <a14:hiddenLine xmlns:a14="http://schemas.microsoft.com/office/drawing/2010/main" xmlns="" w="9525">
+              <a14:hiddenLine xmlns="" xmlns:a14="http://schemas.microsoft.com/office/drawing/2010/main" w="9525">
                 <a:solidFill>
                   <a:srgbClr val="000000"/>
                 </a:solidFill>
@@ -4725,7 +4726,7 @@
           </a:ln>
           <a:extLst>
             <a:ext uri="{91240B29-F687-4f45-9708-019B960494DF}">
-              <a14:hiddenLine xmlns:a14="http://schemas.microsoft.com/office/drawing/2010/main" xmlns="" w="9525">
+              <a14:hiddenLine xmlns="" xmlns:a14="http://schemas.microsoft.com/office/drawing/2010/main" w="9525">
                 <a:solidFill>
                   <a:srgbClr val="000000"/>
                 </a:solidFill>
@@ -4817,7 +4818,168 @@
           <a:bodyPr/>
           <a:lstStyle/>
           <a:p>
-            <a:endParaRPr lang="nl-NL"/>
+            <a:r>
+              <a:rPr lang="nl-NL" dirty="0" smtClean="0"/>
+              <a:t>Complicaties</a:t>
+            </a:r>
+          </a:p>
+          <a:p>
+            <a:pPr lvl="1"/>
+            <a:r>
+              <a:rPr lang="nl-NL" dirty="0" smtClean="0"/>
+              <a:t>Communicatie SD kaart &amp; </a:t>
+            </a:r>
+            <a:r>
+              <a:rPr lang="nl-NL" dirty="0" smtClean="0"/>
+              <a:t>SRAM</a:t>
+            </a:r>
+            <a:endParaRPr lang="nl-NL" dirty="0" smtClean="0"/>
+          </a:p>
+          <a:p>
+            <a:r>
+              <a:rPr lang="nl-NL" dirty="0" smtClean="0"/>
+              <a:t>Gevolgen</a:t>
+            </a:r>
+          </a:p>
+          <a:p>
+            <a:pPr lvl="1"/>
+            <a:r>
+              <a:rPr lang="nl-NL" dirty="0" smtClean="0"/>
+              <a:t>Weg laten VGA </a:t>
+            </a:r>
+            <a:r>
+              <a:rPr lang="nl-NL" dirty="0" smtClean="0">
+                <a:sym typeface="Wingdings" pitchFamily="2" charset="2"/>
+              </a:rPr>
+              <a:t> Geen beeld meer</a:t>
+            </a:r>
+          </a:p>
+          <a:p>
+            <a:pPr lvl="1"/>
+            <a:r>
+              <a:rPr lang="nl-NL" dirty="0" smtClean="0">
+                <a:sym typeface="Wingdings" pitchFamily="2" charset="2"/>
+              </a:rPr>
+              <a:t>Intern ruimte te kort  Geen plaats meer voor ‘</a:t>
+            </a:r>
+            <a:r>
+              <a:rPr lang="nl-NL" dirty="0" err="1" smtClean="0">
+                <a:sym typeface="Wingdings" pitchFamily="2" charset="2"/>
+              </a:rPr>
+              <a:t>Pong</a:t>
+            </a:r>
+            <a:r>
+              <a:rPr lang="nl-NL" dirty="0" smtClean="0">
+                <a:sym typeface="Wingdings" pitchFamily="2" charset="2"/>
+              </a:rPr>
+              <a:t>’</a:t>
+            </a:r>
+            <a:endParaRPr lang="nl-NL" dirty="0" smtClean="0"/>
+          </a:p>
+          <a:p>
+            <a:r>
+              <a:rPr lang="nl-NL" dirty="0" smtClean="0"/>
+              <a:t>Simpele rekenmachine</a:t>
+            </a:r>
+          </a:p>
+          <a:p>
+            <a:pPr lvl="1"/>
+            <a:r>
+              <a:rPr lang="nl-NL" dirty="0" smtClean="0"/>
+              <a:t>Optellen, aftrekken en vermenigvuldigen</a:t>
+            </a:r>
+          </a:p>
+        </p:txBody>
+      </p:sp>
+    </p:spTree>
+  </p:cSld>
+  <p:clrMapOvr>
+    <a:masterClrMapping/>
+  </p:clrMapOvr>
+</p:sld>
+</file>
+
+<file path=ppt/slides/slide11.xml><?xml version="1.0" encoding="utf-8"?>
+<p:sld xmlns:a="http://schemas.openxmlformats.org/drawingml/2006/main" xmlns:r="http://schemas.openxmlformats.org/officeDocument/2006/relationships" xmlns:p="http://schemas.openxmlformats.org/presentationml/2006/main">
+  <p:cSld>
+    <p:spTree>
+      <p:nvGrpSpPr>
+        <p:cNvPr id="1" name=""/>
+        <p:cNvGrpSpPr/>
+        <p:nvPr/>
+      </p:nvGrpSpPr>
+      <p:grpSpPr>
+        <a:xfrm>
+          <a:off x="0" y="0"/>
+          <a:ext cx="0" cy="0"/>
+          <a:chOff x="0" y="0"/>
+          <a:chExt cx="0" cy="0"/>
+        </a:xfrm>
+      </p:grpSpPr>
+      <p:sp>
+        <p:nvSpPr>
+          <p:cNvPr id="2" name="Titel 1"/>
+          <p:cNvSpPr>
+            <a:spLocks noGrp="1"/>
+          </p:cNvSpPr>
+          <p:nvPr>
+            <p:ph type="title"/>
+          </p:nvPr>
+        </p:nvSpPr>
+        <p:spPr/>
+        <p:txBody>
+          <a:bodyPr/>
+          <a:lstStyle/>
+          <a:p>
+            <a:r>
+              <a:rPr lang="nl-NL" dirty="0" smtClean="0"/>
+              <a:t>Discussie &amp; Aanbevelingen</a:t>
+            </a:r>
+            <a:endParaRPr lang="nl-NL" dirty="0"/>
+          </a:p>
+        </p:txBody>
+      </p:sp>
+      <p:sp>
+        <p:nvSpPr>
+          <p:cNvPr id="3" name="Tijdelijke aanduiding voor inhoud 2"/>
+          <p:cNvSpPr>
+            <a:spLocks noGrp="1"/>
+          </p:cNvSpPr>
+          <p:nvPr>
+            <p:ph idx="1"/>
+          </p:nvPr>
+        </p:nvSpPr>
+        <p:spPr/>
+        <p:txBody>
+          <a:bodyPr/>
+          <a:lstStyle/>
+          <a:p>
+            <a:r>
+              <a:rPr lang="nl-NL" dirty="0" smtClean="0"/>
+              <a:t>Een grote fout</a:t>
+            </a:r>
+          </a:p>
+          <a:p>
+            <a:pPr lvl="1"/>
+            <a:r>
+              <a:rPr lang="nl-NL" dirty="0" smtClean="0"/>
+              <a:t>Haalbaarheid van het project</a:t>
+            </a:r>
+          </a:p>
+          <a:p>
+            <a:pPr lvl="1"/>
+            <a:r>
+              <a:rPr lang="nl-NL" dirty="0" smtClean="0"/>
+              <a:t>Te weinig tijd om het project te </a:t>
+            </a:r>
+            <a:r>
+              <a:rPr lang="nl-NL" dirty="0" smtClean="0"/>
+              <a:t>voltooien</a:t>
+            </a:r>
+            <a:endParaRPr lang="nl-NL" dirty="0" smtClean="0"/>
+          </a:p>
+          <a:p>
+            <a:endParaRPr lang="nl-NL" dirty="0" smtClean="0"/>
           </a:p>
         </p:txBody>
       </p:sp>
@@ -4970,7 +5132,6 @@
               <a:rPr lang="nl-NL" sz="2400" dirty="0" smtClean="0"/>
               <a:t> &amp; Discussie</a:t>
             </a:r>
-            <a:endParaRPr lang="nl-NL" sz="2400" dirty="0" smtClean="0"/>
           </a:p>
         </p:txBody>
       </p:sp>
@@ -5046,33 +5207,21 @@
             <a:pPr lvl="1"/>
             <a:r>
               <a:rPr lang="nl-NL" dirty="0" smtClean="0"/>
-              <a:t>Halve chip per groep (200-250 flipflops</a:t>
-            </a:r>
+              <a:t>Halve chip per groep (200-250 flipflops)</a:t>
+            </a:r>
+          </a:p>
+          <a:p>
+            <a:pPr lvl="1"/>
             <a:r>
               <a:rPr lang="nl-NL" dirty="0" smtClean="0"/>
-              <a:t>)</a:t>
+              <a:t>32 aansluitpinnen</a:t>
             </a:r>
           </a:p>
           <a:p>
             <a:pPr lvl="1"/>
             <a:r>
               <a:rPr lang="nl-NL" dirty="0" smtClean="0"/>
-              <a:t>32 </a:t>
-            </a:r>
-            <a:r>
-              <a:rPr lang="nl-NL" dirty="0" smtClean="0"/>
-              <a:t>aansluitpinnen</a:t>
-            </a:r>
-          </a:p>
-          <a:p>
-            <a:pPr lvl="1"/>
-            <a:r>
-              <a:rPr lang="nl-NL" dirty="0" smtClean="0"/>
-              <a:t>Altera FPGA </a:t>
-            </a:r>
-            <a:r>
-              <a:rPr lang="nl-NL" dirty="0" smtClean="0"/>
-              <a:t>bord</a:t>
+              <a:t>Altera FPGA bord</a:t>
             </a:r>
           </a:p>
           <a:p>
@@ -5205,7 +5354,6 @@
               <a:rPr lang="en-US" dirty="0" smtClean="0"/>
               <a:t>Processor</a:t>
             </a:r>
-            <a:endParaRPr lang="en-US" dirty="0" smtClean="0"/>
           </a:p>
           <a:p>
             <a:r>
@@ -5229,7 +5377,6 @@
               <a:rPr lang="en-US" dirty="0" smtClean="0"/>
               <a:t>VGA</a:t>
             </a:r>
-            <a:endParaRPr lang="en-US" dirty="0" smtClean="0"/>
           </a:p>
           <a:p>
             <a:r>
@@ -5244,7 +5391,6 @@
               <a:rPr lang="en-US" dirty="0" smtClean="0"/>
               <a:t>SRAM</a:t>
             </a:r>
-            <a:endParaRPr lang="en-US" dirty="0" smtClean="0"/>
           </a:p>
           <a:p>
             <a:r>
@@ -5294,7 +5440,7 @@
     </p:spTree>
     <p:extLst>
       <p:ext uri="{BB962C8B-B14F-4D97-AF65-F5344CB8AC3E}">
-        <p14:creationId xmlns:p14="http://schemas.microsoft.com/office/powerpoint/2010/main" xmlns="" val="1119502918"/>
+        <p14:creationId xmlns="" xmlns:p14="http://schemas.microsoft.com/office/powerpoint/2010/main" val="1119502918"/>
       </p:ext>
     </p:extLst>
   </p:cSld>
@@ -5394,7 +5540,7 @@
     </p:spTree>
     <p:extLst>
       <p:ext uri="{BB962C8B-B14F-4D97-AF65-F5344CB8AC3E}">
-        <p14:creationId xmlns:p14="http://schemas.microsoft.com/office/powerpoint/2010/main" xmlns="" val="2105157772"/>
+        <p14:creationId xmlns="" xmlns:p14="http://schemas.microsoft.com/office/powerpoint/2010/main" val="2105157772"/>
       </p:ext>
     </p:extLst>
   </p:cSld>
@@ -5478,7 +5624,7 @@
           <a:blip r:embed="rId2" cstate="print">
             <a:extLst>
               <a:ext uri="{28A0092B-C50C-407E-A947-70E740481C1C}">
-                <a14:useLocalDpi xmlns:a14="http://schemas.microsoft.com/office/drawing/2010/main" xmlns="" val="0"/>
+                <a14:useLocalDpi xmlns="" xmlns:a14="http://schemas.microsoft.com/office/drawing/2010/main" val="0"/>
               </a:ext>
             </a:extLst>
           </a:blip>
@@ -5499,7 +5645,7 @@
     </p:spTree>
     <p:extLst>
       <p:ext uri="{BB962C8B-B14F-4D97-AF65-F5344CB8AC3E}">
-        <p14:creationId xmlns:p14="http://schemas.microsoft.com/office/powerpoint/2010/main" xmlns="" val="2155680525"/>
+        <p14:creationId xmlns="" xmlns:p14="http://schemas.microsoft.com/office/powerpoint/2010/main" val="2155680525"/>
       </p:ext>
     </p:extLst>
   </p:cSld>
@@ -5595,7 +5741,7 @@
     </p:spTree>
     <p:extLst>
       <p:ext uri="{BB962C8B-B14F-4D97-AF65-F5344CB8AC3E}">
-        <p14:creationId xmlns:p14="http://schemas.microsoft.com/office/powerpoint/2010/main" xmlns="" val="2452125258"/>
+        <p14:creationId xmlns="" xmlns:p14="http://schemas.microsoft.com/office/powerpoint/2010/main" val="2452125258"/>
       </p:ext>
     </p:extLst>
   </p:cSld>
@@ -5701,7 +5847,7 @@
           <a:blip r:embed="rId2" cstate="print">
             <a:extLst>
               <a:ext uri="{28A0092B-C50C-407E-A947-70E740481C1C}">
-                <a14:useLocalDpi xmlns:a14="http://schemas.microsoft.com/office/drawing/2010/main" xmlns="" val="0"/>
+                <a14:useLocalDpi xmlns="" xmlns:a14="http://schemas.microsoft.com/office/drawing/2010/main" val="0"/>
               </a:ext>
             </a:extLst>
           </a:blip>
@@ -5722,7 +5868,7 @@
     </p:spTree>
     <p:extLst>
       <p:ext uri="{BB962C8B-B14F-4D97-AF65-F5344CB8AC3E}">
-        <p14:creationId xmlns:p14="http://schemas.microsoft.com/office/powerpoint/2010/main" xmlns="" val="3512308647"/>
+        <p14:creationId xmlns="" xmlns:p14="http://schemas.microsoft.com/office/powerpoint/2010/main" val="3512308647"/>
       </p:ext>
     </p:extLst>
   </p:cSld>
@@ -5808,7 +5954,7 @@
     </p:spTree>
     <p:extLst>
       <p:ext uri="{BB962C8B-B14F-4D97-AF65-F5344CB8AC3E}">
-        <p14:creationId xmlns:p14="http://schemas.microsoft.com/office/powerpoint/2010/main" xmlns="" val="4275572195"/>
+        <p14:creationId xmlns="" xmlns:p14="http://schemas.microsoft.com/office/powerpoint/2010/main" val="4275572195"/>
       </p:ext>
     </p:extLst>
   </p:cSld>

--- a/procesverslagen/Presentatie/A5.pptx
+++ b/procesverslagen/Presentatie/A5.pptx
@@ -159,6 +159,36 @@
       </a:defRPr>
     </a:lvl9pPr>
   </p:defaultTextStyle>
+  <p:extLst>
+    <p:ext uri="{EFAFB233-063F-42B5-8137-9DF3F51BA10A}">
+      <p15:sldGuideLst xmlns:p15="http://schemas.microsoft.com/office/powerpoint/2012/main">
+        <p15:guide id="1" orient="horz" pos="3072">
+          <p15:clr>
+            <a:srgbClr val="A4A3A4"/>
+          </p15:clr>
+        </p15:guide>
+        <p15:guide id="2" pos="4096">
+          <p15:clr>
+            <a:srgbClr val="A4A3A4"/>
+          </p15:clr>
+        </p15:guide>
+      </p15:sldGuideLst>
+    </p:ext>
+    <p:ext uri="{2D200454-40CA-4A62-9FC3-DE9A4176ACB9}">
+      <p15:notesGuideLst xmlns:p15="http://schemas.microsoft.com/office/powerpoint/2012/main">
+        <p15:guide id="1" orient="horz" pos="3128">
+          <p15:clr>
+            <a:srgbClr val="A4A3A4"/>
+          </p15:clr>
+        </p15:guide>
+        <p15:guide id="2" pos="2140">
+          <p15:clr>
+            <a:srgbClr val="A4A3A4"/>
+          </p15:clr>
+        </p15:guide>
+      </p15:notesGuideLst>
+    </p:ext>
+  </p:extLst>
 </p:presentation>
 </file>
 
@@ -332,7 +362,7 @@
             <a:fld id="{D2D6B489-F77B-E44B-BA1A-250156B6FC8C}" type="slidenum">
               <a:rPr lang="nl-NL"/>
               <a:pPr/>
-              <a:t>‹nr.›</a:t>
+              <a:t>‹#›</a:t>
             </a:fld>
             <a:endParaRPr lang="nl-NL"/>
           </a:p>
@@ -341,7 +371,7 @@
     </p:spTree>
     <p:extLst>
       <p:ext uri="{BB962C8B-B14F-4D97-AF65-F5344CB8AC3E}">
-        <p14:creationId xmlns="" xmlns:p14="http://schemas.microsoft.com/office/powerpoint/2010/main" val="2401220708"/>
+        <p14:creationId xmlns:p14="http://schemas.microsoft.com/office/powerpoint/2010/main" val="2401220708"/>
       </p:ext>
     </p:extLst>
   </p:cSld>
@@ -613,7 +643,7 @@
             <a:fld id="{8B944AE0-A2BB-A245-869D-6C23E48BF3F5}" type="slidenum">
               <a:rPr lang="nl-NL"/>
               <a:pPr/>
-              <a:t>‹nr.›</a:t>
+              <a:t>‹#›</a:t>
             </a:fld>
             <a:endParaRPr lang="nl-NL"/>
           </a:p>
@@ -622,7 +652,7 @@
     </p:spTree>
     <p:extLst>
       <p:ext uri="{BB962C8B-B14F-4D97-AF65-F5344CB8AC3E}">
-        <p14:creationId xmlns="" xmlns:p14="http://schemas.microsoft.com/office/powerpoint/2010/main" val="1319321177"/>
+        <p14:creationId xmlns:p14="http://schemas.microsoft.com/office/powerpoint/2010/main" val="1319321177"/>
       </p:ext>
     </p:extLst>
   </p:cSld>
@@ -793,7 +823,7 @@
           </a:ln>
           <a:extLst>
             <a:ext uri="{91240B29-F687-4f45-9708-019B960494DF}">
-              <a14:hiddenLine xmlns="" xmlns:a14="http://schemas.microsoft.com/office/drawing/2010/main" w="9525" algn="ctr">
+              <a14:hiddenLine xmlns:a14="http://schemas.microsoft.com/office/drawing/2010/main" xmlns="" w="9525" algn="ctr">
                 <a:solidFill>
                   <a:srgbClr val="000000"/>
                 </a:solidFill>
@@ -1034,7 +1064,7 @@
     </p:spTree>
     <p:extLst>
       <p:ext uri="{BB962C8B-B14F-4D97-AF65-F5344CB8AC3E}">
-        <p14:creationId xmlns="" xmlns:p14="http://schemas.microsoft.com/office/powerpoint/2010/main" val="776264751"/>
+        <p14:creationId xmlns:p14="http://schemas.microsoft.com/office/powerpoint/2010/main" val="776264751"/>
       </p:ext>
     </p:extLst>
   </p:cSld>
@@ -1226,7 +1256,7 @@
     </p:spTree>
     <p:extLst>
       <p:ext uri="{BB962C8B-B14F-4D97-AF65-F5344CB8AC3E}">
-        <p14:creationId xmlns="" xmlns:p14="http://schemas.microsoft.com/office/powerpoint/2010/main" val="1694560143"/>
+        <p14:creationId xmlns:p14="http://schemas.microsoft.com/office/powerpoint/2010/main" val="1694560143"/>
       </p:ext>
     </p:extLst>
   </p:cSld>
@@ -1331,7 +1361,7 @@
     </p:spTree>
     <p:extLst>
       <p:ext uri="{BB962C8B-B14F-4D97-AF65-F5344CB8AC3E}">
-        <p14:creationId xmlns="" xmlns:p14="http://schemas.microsoft.com/office/powerpoint/2010/main" val="3828749506"/>
+        <p14:creationId xmlns:p14="http://schemas.microsoft.com/office/powerpoint/2010/main" val="3828749506"/>
       </p:ext>
     </p:extLst>
   </p:cSld>
@@ -1446,7 +1476,7 @@
     </p:spTree>
     <p:extLst>
       <p:ext uri="{BB962C8B-B14F-4D97-AF65-F5344CB8AC3E}">
-        <p14:creationId xmlns="" xmlns:p14="http://schemas.microsoft.com/office/powerpoint/2010/main" val="1484439901"/>
+        <p14:creationId xmlns:p14="http://schemas.microsoft.com/office/powerpoint/2010/main" val="1484439901"/>
       </p:ext>
     </p:extLst>
   </p:cSld>
@@ -1675,7 +1705,7 @@
     </p:spTree>
     <p:extLst>
       <p:ext uri="{BB962C8B-B14F-4D97-AF65-F5344CB8AC3E}">
-        <p14:creationId xmlns="" xmlns:p14="http://schemas.microsoft.com/office/powerpoint/2010/main" val="2766739981"/>
+        <p14:creationId xmlns:p14="http://schemas.microsoft.com/office/powerpoint/2010/main" val="2766739981"/>
       </p:ext>
     </p:extLst>
   </p:cSld>
@@ -1802,7 +1832,7 @@
     </p:spTree>
     <p:extLst>
       <p:ext uri="{BB962C8B-B14F-4D97-AF65-F5344CB8AC3E}">
-        <p14:creationId xmlns="" xmlns:p14="http://schemas.microsoft.com/office/powerpoint/2010/main" val="2805263667"/>
+        <p14:creationId xmlns:p14="http://schemas.microsoft.com/office/powerpoint/2010/main" val="2805263667"/>
       </p:ext>
     </p:extLst>
   </p:cSld>
@@ -1911,7 +1941,7 @@
     </p:spTree>
     <p:extLst>
       <p:ext uri="{BB962C8B-B14F-4D97-AF65-F5344CB8AC3E}">
-        <p14:creationId xmlns="" xmlns:p14="http://schemas.microsoft.com/office/powerpoint/2010/main" val="2148099957"/>
+        <p14:creationId xmlns:p14="http://schemas.microsoft.com/office/powerpoint/2010/main" val="2148099957"/>
       </p:ext>
     </p:extLst>
   </p:cSld>
@@ -2038,7 +2068,7 @@
     </p:spTree>
     <p:extLst>
       <p:ext uri="{BB962C8B-B14F-4D97-AF65-F5344CB8AC3E}">
-        <p14:creationId xmlns="" xmlns:p14="http://schemas.microsoft.com/office/powerpoint/2010/main" val="1672604803"/>
+        <p14:creationId xmlns:p14="http://schemas.microsoft.com/office/powerpoint/2010/main" val="1672604803"/>
       </p:ext>
     </p:extLst>
   </p:cSld>
@@ -2261,7 +2291,7 @@
     </p:spTree>
     <p:extLst>
       <p:ext uri="{BB962C8B-B14F-4D97-AF65-F5344CB8AC3E}">
-        <p14:creationId xmlns="" xmlns:p14="http://schemas.microsoft.com/office/powerpoint/2010/main" val="1237843012"/>
+        <p14:creationId xmlns:p14="http://schemas.microsoft.com/office/powerpoint/2010/main" val="1237843012"/>
       </p:ext>
     </p:extLst>
   </p:cSld>
@@ -2623,7 +2653,7 @@
     </p:spTree>
     <p:extLst>
       <p:ext uri="{BB962C8B-B14F-4D97-AF65-F5344CB8AC3E}">
-        <p14:creationId xmlns="" xmlns:p14="http://schemas.microsoft.com/office/powerpoint/2010/main" val="437046"/>
+        <p14:creationId xmlns:p14="http://schemas.microsoft.com/office/powerpoint/2010/main" val="437046"/>
       </p:ext>
     </p:extLst>
   </p:cSld>
@@ -2676,7 +2706,7 @@
     </p:spTree>
     <p:extLst>
       <p:ext uri="{BB962C8B-B14F-4D97-AF65-F5344CB8AC3E}">
-        <p14:creationId xmlns="" xmlns:p14="http://schemas.microsoft.com/office/powerpoint/2010/main" val="3414296092"/>
+        <p14:creationId xmlns:p14="http://schemas.microsoft.com/office/powerpoint/2010/main" val="3414296092"/>
       </p:ext>
     </p:extLst>
   </p:cSld>
@@ -2706,7 +2736,7 @@
     </p:spTree>
     <p:extLst>
       <p:ext uri="{BB962C8B-B14F-4D97-AF65-F5344CB8AC3E}">
-        <p14:creationId xmlns="" xmlns:p14="http://schemas.microsoft.com/office/powerpoint/2010/main" val="2241992385"/>
+        <p14:creationId xmlns:p14="http://schemas.microsoft.com/office/powerpoint/2010/main" val="2241992385"/>
       </p:ext>
     </p:extLst>
   </p:cSld>
@@ -2918,7 +2948,7 @@
     </p:spTree>
     <p:extLst>
       <p:ext uri="{BB962C8B-B14F-4D97-AF65-F5344CB8AC3E}">
-        <p14:creationId xmlns="" xmlns:p14="http://schemas.microsoft.com/office/powerpoint/2010/main" val="2898605154"/>
+        <p14:creationId xmlns:p14="http://schemas.microsoft.com/office/powerpoint/2010/main" val="2898605154"/>
       </p:ext>
     </p:extLst>
   </p:cSld>
@@ -2977,14 +3007,14 @@
           </a:ln>
           <a:extLst>
             <a:ext uri="{909E8E84-426E-40dd-AFC4-6F175D3DCCD1}">
-              <a14:hiddenFill xmlns="" xmlns:a14="http://schemas.microsoft.com/office/drawing/2010/main">
+              <a14:hiddenFill xmlns:a14="http://schemas.microsoft.com/office/drawing/2010/main" xmlns="">
                 <a:solidFill>
                   <a:srgbClr val="FFFFFF"/>
                 </a:solidFill>
               </a14:hiddenFill>
             </a:ext>
             <a:ext uri="{91240B29-F687-4f45-9708-019B960494DF}">
-              <a14:hiddenLine xmlns="" xmlns:a14="http://schemas.microsoft.com/office/drawing/2010/main" w="9525">
+              <a14:hiddenLine xmlns:a14="http://schemas.microsoft.com/office/drawing/2010/main" xmlns="" w="9525">
                 <a:solidFill>
                   <a:srgbClr val="000000"/>
                 </a:solidFill>
@@ -2994,7 +3024,7 @@
               </a14:hiddenLine>
             </a:ext>
             <a:ext uri="{FAA26D3D-D897-4be2-8F04-BA451C77F1D7}">
-              <ma14:placeholderFlag xmlns="" xmlns:ma14="http://schemas.microsoft.com/office/mac/drawingml/2011/main" val="1"/>
+              <ma14:placeholderFlag xmlns:ma14="http://schemas.microsoft.com/office/mac/drawingml/2011/main" xmlns="" val="1"/>
             </a:ext>
           </a:extLst>
         </p:spPr>
@@ -3038,14 +3068,14 @@
           </a:ln>
           <a:extLst>
             <a:ext uri="{909E8E84-426E-40dd-AFC4-6F175D3DCCD1}">
-              <a14:hiddenFill xmlns="" xmlns:a14="http://schemas.microsoft.com/office/drawing/2010/main">
+              <a14:hiddenFill xmlns:a14="http://schemas.microsoft.com/office/drawing/2010/main" xmlns="">
                 <a:solidFill>
                   <a:srgbClr val="FFFFFF"/>
                 </a:solidFill>
               </a14:hiddenFill>
             </a:ext>
             <a:ext uri="{91240B29-F687-4f45-9708-019B960494DF}">
-              <a14:hiddenLine xmlns="" xmlns:a14="http://schemas.microsoft.com/office/drawing/2010/main" w="9525">
+              <a14:hiddenLine xmlns:a14="http://schemas.microsoft.com/office/drawing/2010/main" xmlns="" w="9525">
                 <a:solidFill>
                   <a:srgbClr val="000000"/>
                 </a:solidFill>
@@ -3055,7 +3085,7 @@
               </a14:hiddenLine>
             </a:ext>
             <a:ext uri="{FAA26D3D-D897-4be2-8F04-BA451C77F1D7}">
-              <ma14:placeholderFlag xmlns="" xmlns:ma14="http://schemas.microsoft.com/office/mac/drawingml/2011/main" val="1"/>
+              <ma14:placeholderFlag xmlns:ma14="http://schemas.microsoft.com/office/mac/drawingml/2011/main" xmlns="" val="1"/>
             </a:ext>
           </a:extLst>
         </p:spPr>
@@ -3113,7 +3143,7 @@
           </a:ln>
           <a:extLst>
             <a:ext uri="{91240B29-F687-4f45-9708-019B960494DF}">
-              <a14:hiddenLine xmlns="" xmlns:a14="http://schemas.microsoft.com/office/drawing/2010/main" w="9525">
+              <a14:hiddenLine xmlns:a14="http://schemas.microsoft.com/office/drawing/2010/main" xmlns="" w="9525">
                 <a:solidFill>
                   <a:srgbClr val="000000"/>
                 </a:solidFill>
@@ -3265,7 +3295,7 @@
           </a:ln>
           <a:extLst>
             <a:ext uri="{91240B29-F687-4f45-9708-019B960494DF}">
-              <a14:hiddenLine xmlns="" xmlns:a14="http://schemas.microsoft.com/office/drawing/2010/main" w="9525">
+              <a14:hiddenLine xmlns:a14="http://schemas.microsoft.com/office/drawing/2010/main" xmlns="" w="9525">
                 <a:solidFill>
                   <a:srgbClr val="000000"/>
                 </a:solidFill>
@@ -3420,7 +3450,7 @@
           </a:ln>
           <a:extLst>
             <a:ext uri="{909E8E84-426E-40dd-AFC4-6F175D3DCCD1}">
-              <a14:hiddenFill xmlns="" xmlns:a14="http://schemas.microsoft.com/office/drawing/2010/main">
+              <a14:hiddenFill xmlns:a14="http://schemas.microsoft.com/office/drawing/2010/main" xmlns="">
                 <a:noFill/>
               </a14:hiddenFill>
             </a:ext>
@@ -3461,7 +3491,7 @@
           </a:ln>
           <a:extLst>
             <a:ext uri="{909E8E84-426E-40dd-AFC4-6F175D3DCCD1}">
-              <a14:hiddenFill xmlns="" xmlns:a14="http://schemas.microsoft.com/office/drawing/2010/main">
+              <a14:hiddenFill xmlns:a14="http://schemas.microsoft.com/office/drawing/2010/main" xmlns="">
                 <a:noFill/>
               </a14:hiddenFill>
             </a:ext>
@@ -3497,14 +3527,14 @@
           </a:ln>
           <a:extLst>
             <a:ext uri="{909E8E84-426E-40dd-AFC4-6F175D3DCCD1}">
-              <a14:hiddenFill xmlns="" xmlns:a14="http://schemas.microsoft.com/office/drawing/2010/main">
+              <a14:hiddenFill xmlns:a14="http://schemas.microsoft.com/office/drawing/2010/main" xmlns="">
                 <a:solidFill>
                   <a:srgbClr val="FFFFFF"/>
                 </a:solidFill>
               </a14:hiddenFill>
             </a:ext>
             <a:ext uri="{91240B29-F687-4f45-9708-019B960494DF}">
-              <a14:hiddenLine xmlns="" xmlns:a14="http://schemas.microsoft.com/office/drawing/2010/main" w="9525">
+              <a14:hiddenLine xmlns:a14="http://schemas.microsoft.com/office/drawing/2010/main" xmlns="" w="9525">
                 <a:solidFill>
                   <a:srgbClr val="000000"/>
                 </a:solidFill>
@@ -3666,7 +3696,7 @@
           </a:ln>
           <a:extLst>
             <a:ext uri="{91240B29-F687-4f45-9708-019B960494DF}">
-              <a14:hiddenLine xmlns="" xmlns:a14="http://schemas.microsoft.com/office/drawing/2010/main" w="9525">
+              <a14:hiddenLine xmlns:a14="http://schemas.microsoft.com/office/drawing/2010/main" xmlns="" w="9525">
                 <a:solidFill>
                   <a:srgbClr val="000000"/>
                 </a:solidFill>
@@ -3803,10 +3833,10 @@
           <p:nvPr/>
         </p:nvPicPr>
         <p:blipFill>
-          <a:blip r:embed="rId15" cstate="print">
+          <a:blip r:embed="rId15" cstate="email">
             <a:extLst>
               <a:ext uri="{28A0092B-C50C-407E-A947-70E740481C1C}">
-                <a14:useLocalDpi xmlns="" xmlns:a14="http://schemas.microsoft.com/office/drawing/2010/main" val="0"/>
+                <a14:useLocalDpi xmlns:a14="http://schemas.microsoft.com/office/drawing/2010/main" val="0"/>
               </a:ext>
             </a:extLst>
           </a:blip>
@@ -3829,14 +3859,14 @@
           </a:ln>
           <a:extLst>
             <a:ext uri="{909E8E84-426E-40dd-AFC4-6F175D3DCCD1}">
-              <a14:hiddenFill xmlns="" xmlns:a14="http://schemas.microsoft.com/office/drawing/2010/main">
+              <a14:hiddenFill xmlns:a14="http://schemas.microsoft.com/office/drawing/2010/main" xmlns="">
                 <a:solidFill>
                   <a:srgbClr val="FFFFFF"/>
                 </a:solidFill>
               </a14:hiddenFill>
             </a:ext>
             <a:ext uri="{91240B29-F687-4f45-9708-019B960494DF}">
-              <a14:hiddenLine xmlns="" xmlns:a14="http://schemas.microsoft.com/office/drawing/2010/main" w="9525">
+              <a14:hiddenLine xmlns:a14="http://schemas.microsoft.com/office/drawing/2010/main" xmlns="" w="9525">
                 <a:solidFill>
                   <a:srgbClr val="000000"/>
                 </a:solidFill>
@@ -3870,14 +3900,14 @@
           </a:ln>
           <a:extLst>
             <a:ext uri="{909E8E84-426E-40dd-AFC4-6F175D3DCCD1}">
-              <a14:hiddenFill xmlns="" xmlns:a14="http://schemas.microsoft.com/office/drawing/2010/main">
+              <a14:hiddenFill xmlns:a14="http://schemas.microsoft.com/office/drawing/2010/main" xmlns="">
                 <a:solidFill>
                   <a:srgbClr val="FFFFFF"/>
                 </a:solidFill>
               </a14:hiddenFill>
             </a:ext>
             <a:ext uri="{91240B29-F687-4f45-9708-019B960494DF}">
-              <a14:hiddenLine xmlns="" xmlns:a14="http://schemas.microsoft.com/office/drawing/2010/main" w="9525">
+              <a14:hiddenLine xmlns:a14="http://schemas.microsoft.com/office/drawing/2010/main" xmlns="" w="9525">
                 <a:solidFill>
                   <a:srgbClr val="000000"/>
                 </a:solidFill>
@@ -3903,7 +3933,7 @@
                 <a:cs typeface="MS PGothic" charset="0"/>
               </a:rPr>
               <a:pPr algn="r"/>
-              <a:t>‹nr.›</a:t>
+              <a:t>‹#›</a:t>
             </a:fld>
             <a:endParaRPr lang="nl-NL" sz="1600">
               <a:solidFill>
@@ -3938,14 +3968,14 @@
           </a:ln>
           <a:extLst>
             <a:ext uri="{909E8E84-426E-40dd-AFC4-6F175D3DCCD1}">
-              <a14:hiddenFill xmlns="" xmlns:a14="http://schemas.microsoft.com/office/drawing/2010/main">
+              <a14:hiddenFill xmlns:a14="http://schemas.microsoft.com/office/drawing/2010/main" xmlns="">
                 <a:solidFill>
                   <a:srgbClr val="FFFFFF"/>
                 </a:solidFill>
               </a14:hiddenFill>
             </a:ext>
             <a:ext uri="{91240B29-F687-4f45-9708-019B960494DF}">
-              <a14:hiddenLine xmlns="" xmlns:a14="http://schemas.microsoft.com/office/drawing/2010/main" w="9525">
+              <a14:hiddenLine xmlns:a14="http://schemas.microsoft.com/office/drawing/2010/main" xmlns="" w="9525">
                 <a:solidFill>
                   <a:srgbClr val="000000"/>
                 </a:solidFill>
@@ -4595,7 +4625,7 @@
           </a:ln>
           <a:extLst>
             <a:ext uri="{91240B29-F687-4f45-9708-019B960494DF}">
-              <a14:hiddenLine xmlns="" xmlns:a14="http://schemas.microsoft.com/office/drawing/2010/main" w="9525">
+              <a14:hiddenLine xmlns:a14="http://schemas.microsoft.com/office/drawing/2010/main" xmlns="" w="9525">
                 <a:solidFill>
                   <a:srgbClr val="000000"/>
                 </a:solidFill>
@@ -4726,7 +4756,7 @@
           </a:ln>
           <a:extLst>
             <a:ext uri="{91240B29-F687-4f45-9708-019B960494DF}">
-              <a14:hiddenLine xmlns="" xmlns:a14="http://schemas.microsoft.com/office/drawing/2010/main" w="9525">
+              <a14:hiddenLine xmlns:a14="http://schemas.microsoft.com/office/drawing/2010/main" xmlns="" w="9525">
                 <a:solidFill>
                   <a:srgbClr val="000000"/>
                 </a:solidFill>
@@ -4827,13 +4857,8 @@
             <a:pPr lvl="1"/>
             <a:r>
               <a:rPr lang="nl-NL" dirty="0" smtClean="0"/>
-              <a:t>Communicatie SD kaart &amp; </a:t>
-            </a:r>
-            <a:r>
-              <a:rPr lang="nl-NL" dirty="0" smtClean="0"/>
-              <a:t>SRAM</a:t>
-            </a:r>
-            <a:endParaRPr lang="nl-NL" dirty="0" smtClean="0"/>
+              <a:t>Communicatie SD kaart &amp; SRAM</a:t>
+            </a:r>
           </a:p>
           <a:p>
             <a:r>
@@ -4970,13 +4995,8 @@
             <a:pPr lvl="1"/>
             <a:r>
               <a:rPr lang="nl-NL" dirty="0" smtClean="0"/>
-              <a:t>Te weinig tijd om het project te </a:t>
-            </a:r>
-            <a:r>
-              <a:rPr lang="nl-NL" dirty="0" smtClean="0"/>
-              <a:t>voltooien</a:t>
-            </a:r>
-            <a:endParaRPr lang="nl-NL" dirty="0" smtClean="0"/>
+              <a:t>Te weinig tijd om het project te voltooien</a:t>
+            </a:r>
           </a:p>
           <a:p>
             <a:endParaRPr lang="nl-NL" dirty="0" smtClean="0"/>
@@ -5440,7 +5460,7 @@
     </p:spTree>
     <p:extLst>
       <p:ext uri="{BB962C8B-B14F-4D97-AF65-F5344CB8AC3E}">
-        <p14:creationId xmlns="" xmlns:p14="http://schemas.microsoft.com/office/powerpoint/2010/main" val="1119502918"/>
+        <p14:creationId xmlns:p14="http://schemas.microsoft.com/office/powerpoint/2010/main" val="1119502918"/>
       </p:ext>
     </p:extLst>
   </p:cSld>
@@ -5483,8 +5503,8 @@
           <a:lstStyle/>
           <a:p>
             <a:r>
-              <a:rPr lang="en-US" dirty="0" err="1" smtClean="0"/>
-              <a:t>Besturing</a:t>
+              <a:rPr lang="en-US" dirty="0" smtClean="0"/>
+              <a:t>CPU</a:t>
             </a:r>
             <a:endParaRPr lang="en-US" dirty="0"/>
           </a:p>
@@ -5506,33 +5526,35 @@
           <a:lstStyle/>
           <a:p>
             <a:r>
-              <a:rPr lang="en-US" dirty="0" err="1" smtClean="0"/>
-              <a:t>Ultrasone</a:t>
-            </a:r>
-            <a:endParaRPr lang="en-US" dirty="0" smtClean="0"/>
-          </a:p>
-          <a:p>
-            <a:r>
-              <a:rPr lang="en-US" dirty="0" smtClean="0"/>
-              <a:t>Buttons</a:t>
-            </a:r>
-          </a:p>
-          <a:p>
-            <a:r>
-              <a:rPr lang="en-US" dirty="0" smtClean="0"/>
-              <a:t>Processing </a:t>
-            </a:r>
-            <a:r>
-              <a:rPr lang="en-US" dirty="0" err="1" smtClean="0"/>
-              <a:t>Arduino</a:t>
-            </a:r>
-            <a:endParaRPr lang="en-US" dirty="0" smtClean="0"/>
-          </a:p>
-          <a:p>
-            <a:r>
-              <a:rPr lang="en-US" dirty="0" smtClean="0"/>
-              <a:t>2x 4-bits Position</a:t>
-            </a:r>
+              <a:rPr lang="nl-NL" dirty="0"/>
+              <a:t>Instructies</a:t>
+            </a:r>
+          </a:p>
+          <a:p>
+            <a:pPr lvl="1"/>
+            <a:r>
+              <a:rPr lang="nl-NL" dirty="0" err="1"/>
+              <a:t>Enable</a:t>
+            </a:r>
+            <a:r>
+              <a:rPr lang="nl-NL" dirty="0"/>
+              <a:t> bij nieuwe instructie</a:t>
+            </a:r>
+          </a:p>
+          <a:p>
+            <a:r>
+              <a:rPr lang="nl-NL" dirty="0"/>
+              <a:t>Control Unit</a:t>
+            </a:r>
+          </a:p>
+          <a:p>
+            <a:pPr lvl="1"/>
+            <a:r>
+              <a:rPr lang="nl-NL" dirty="0"/>
+              <a:t>Instructie </a:t>
+            </a:r>
+          </a:p>
+          <a:p>
             <a:endParaRPr lang="en-US" dirty="0"/>
           </a:p>
         </p:txBody>
@@ -5540,7 +5562,7 @@
     </p:spTree>
     <p:extLst>
       <p:ext uri="{BB962C8B-B14F-4D97-AF65-F5344CB8AC3E}">
-        <p14:creationId xmlns="" xmlns:p14="http://schemas.microsoft.com/office/powerpoint/2010/main" val="2105157772"/>
+        <p14:creationId xmlns:p14="http://schemas.microsoft.com/office/powerpoint/2010/main" val="2105157772"/>
       </p:ext>
     </p:extLst>
   </p:cSld>
@@ -5624,7 +5646,7 @@
           <a:blip r:embed="rId2" cstate="print">
             <a:extLst>
               <a:ext uri="{28A0092B-C50C-407E-A947-70E740481C1C}">
-                <a14:useLocalDpi xmlns="" xmlns:a14="http://schemas.microsoft.com/office/drawing/2010/main" val="0"/>
+                <a14:useLocalDpi xmlns:a14="http://schemas.microsoft.com/office/drawing/2010/main" val="0"/>
               </a:ext>
             </a:extLst>
           </a:blip>
@@ -5645,7 +5667,7 @@
     </p:spTree>
     <p:extLst>
       <p:ext uri="{BB962C8B-B14F-4D97-AF65-F5344CB8AC3E}">
-        <p14:creationId xmlns="" xmlns:p14="http://schemas.microsoft.com/office/powerpoint/2010/main" val="2155680525"/>
+        <p14:creationId xmlns:p14="http://schemas.microsoft.com/office/powerpoint/2010/main" val="2155680525"/>
       </p:ext>
     </p:extLst>
   </p:cSld>
@@ -5741,7 +5763,7 @@
     </p:spTree>
     <p:extLst>
       <p:ext uri="{BB962C8B-B14F-4D97-AF65-F5344CB8AC3E}">
-        <p14:creationId xmlns="" xmlns:p14="http://schemas.microsoft.com/office/powerpoint/2010/main" val="2452125258"/>
+        <p14:creationId xmlns:p14="http://schemas.microsoft.com/office/powerpoint/2010/main" val="2452125258"/>
       </p:ext>
     </p:extLst>
   </p:cSld>
@@ -5847,7 +5869,7 @@
           <a:blip r:embed="rId2" cstate="print">
             <a:extLst>
               <a:ext uri="{28A0092B-C50C-407E-A947-70E740481C1C}">
-                <a14:useLocalDpi xmlns="" xmlns:a14="http://schemas.microsoft.com/office/drawing/2010/main" val="0"/>
+                <a14:useLocalDpi xmlns:a14="http://schemas.microsoft.com/office/drawing/2010/main" val="0"/>
               </a:ext>
             </a:extLst>
           </a:blip>
@@ -5868,7 +5890,7 @@
     </p:spTree>
     <p:extLst>
       <p:ext uri="{BB962C8B-B14F-4D97-AF65-F5344CB8AC3E}">
-        <p14:creationId xmlns="" xmlns:p14="http://schemas.microsoft.com/office/powerpoint/2010/main" val="3512308647"/>
+        <p14:creationId xmlns:p14="http://schemas.microsoft.com/office/powerpoint/2010/main" val="3512308647"/>
       </p:ext>
     </p:extLst>
   </p:cSld>
@@ -5954,7 +5976,7 @@
     </p:spTree>
     <p:extLst>
       <p:ext uri="{BB962C8B-B14F-4D97-AF65-F5344CB8AC3E}">
-        <p14:creationId xmlns="" xmlns:p14="http://schemas.microsoft.com/office/powerpoint/2010/main" val="4275572195"/>
+        <p14:creationId xmlns:p14="http://schemas.microsoft.com/office/powerpoint/2010/main" val="4275572195"/>
       </p:ext>
     </p:extLst>
   </p:cSld>
